--- a/CLI_직원관리프로그램.pptx
+++ b/CLI_직원관리프로그램.pptx
@@ -224,7 +224,7 @@
           <a:p>
             <a:fld id="{D042E203-9F93-4029-BBFD-A3A46118BF1B}" type="datetimeFigureOut">
               <a:rPr lang="ko-KR" altLang="en-US" smtClean="0"/>
-              <a:t>2022-05-25</a:t>
+              <a:t>2022-05-26</a:t>
             </a:fld>
             <a:endParaRPr lang="ko-KR" altLang="en-US"/>
           </a:p>
@@ -670,7 +670,7 @@
           <a:p>
             <a:fld id="{F8166F1F-CE9B-4651-A6AA-CD717754106B}" type="datetimeFigureOut">
               <a:rPr lang="en-US" smtClean="0"/>
-              <a:t>5/25/2022</a:t>
+              <a:t>5/26/2022</a:t>
             </a:fld>
             <a:endParaRPr lang="en-US"/>
           </a:p>
@@ -833,7 +833,7 @@
           <a:p>
             <a:fld id="{A76116CE-C4A3-4A05-B2D7-7C2E9A889C0F}" type="datetimeFigureOut">
               <a:rPr lang="en-US" smtClean="0"/>
-              <a:t>5/25/2022</a:t>
+              <a:t>5/26/2022</a:t>
             </a:fld>
             <a:endParaRPr lang="en-US"/>
           </a:p>
@@ -1006,7 +1006,7 @@
           <a:p>
             <a:fld id="{A76116CE-C4A3-4A05-B2D7-7C2E9A889C0F}" type="datetimeFigureOut">
               <a:rPr lang="en-US" smtClean="0"/>
-              <a:t>5/25/2022</a:t>
+              <a:t>5/26/2022</a:t>
             </a:fld>
             <a:endParaRPr lang="en-US"/>
           </a:p>
@@ -1171,7 +1171,7 @@
           <a:p>
             <a:fld id="{A76116CE-C4A3-4A05-B2D7-7C2E9A889C0F}" type="datetimeFigureOut">
               <a:rPr lang="en-US" smtClean="0"/>
-              <a:t>5/25/2022</a:t>
+              <a:t>5/26/2022</a:t>
             </a:fld>
             <a:endParaRPr lang="en-US"/>
           </a:p>
@@ -1411,7 +1411,7 @@
           <a:p>
             <a:fld id="{A76116CE-C4A3-4A05-B2D7-7C2E9A889C0F}" type="datetimeFigureOut">
               <a:rPr lang="en-US" smtClean="0"/>
-              <a:t>5/25/2022</a:t>
+              <a:t>5/26/2022</a:t>
             </a:fld>
             <a:endParaRPr lang="en-US"/>
           </a:p>
@@ -1691,7 +1691,7 @@
           <a:p>
             <a:fld id="{A76116CE-C4A3-4A05-B2D7-7C2E9A889C0F}" type="datetimeFigureOut">
               <a:rPr lang="en-US" smtClean="0"/>
-              <a:t>5/25/2022</a:t>
+              <a:t>5/26/2022</a:t>
             </a:fld>
             <a:endParaRPr lang="en-US"/>
           </a:p>
@@ -2105,7 +2105,7 @@
           <a:p>
             <a:fld id="{A76116CE-C4A3-4A05-B2D7-7C2E9A889C0F}" type="datetimeFigureOut">
               <a:rPr lang="en-US" smtClean="0"/>
-              <a:t>5/25/2022</a:t>
+              <a:t>5/26/2022</a:t>
             </a:fld>
             <a:endParaRPr lang="en-US"/>
           </a:p>
@@ -2217,7 +2217,7 @@
           <a:p>
             <a:fld id="{A76116CE-C4A3-4A05-B2D7-7C2E9A889C0F}" type="datetimeFigureOut">
               <a:rPr lang="en-US" smtClean="0"/>
-              <a:t>5/25/2022</a:t>
+              <a:t>5/26/2022</a:t>
             </a:fld>
             <a:endParaRPr lang="en-US"/>
           </a:p>
@@ -2307,7 +2307,7 @@
           <a:p>
             <a:fld id="{A76116CE-C4A3-4A05-B2D7-7C2E9A889C0F}" type="datetimeFigureOut">
               <a:rPr lang="en-US" smtClean="0"/>
-              <a:t>5/25/2022</a:t>
+              <a:t>5/26/2022</a:t>
             </a:fld>
             <a:endParaRPr lang="en-US"/>
           </a:p>
@@ -2577,7 +2577,7 @@
           <a:p>
             <a:fld id="{A76116CE-C4A3-4A05-B2D7-7C2E9A889C0F}" type="datetimeFigureOut">
               <a:rPr lang="en-US" smtClean="0"/>
-              <a:t>5/25/2022</a:t>
+              <a:t>5/26/2022</a:t>
             </a:fld>
             <a:endParaRPr lang="en-US"/>
           </a:p>
@@ -2824,7 +2824,7 @@
           <a:p>
             <a:fld id="{A76116CE-C4A3-4A05-B2D7-7C2E9A889C0F}" type="datetimeFigureOut">
               <a:rPr lang="en-US" smtClean="0"/>
-              <a:t>5/25/2022</a:t>
+              <a:t>5/26/2022</a:t>
             </a:fld>
             <a:endParaRPr lang="en-US"/>
           </a:p>
@@ -3030,7 +3030,7 @@
           <a:p>
             <a:fld id="{F8166F1F-CE9B-4651-A6AA-CD717754106B}" type="datetimeFigureOut">
               <a:rPr lang="en-US" smtClean="0"/>
-              <a:t>5/25/2022</a:t>
+              <a:t>5/26/2022</a:t>
             </a:fld>
             <a:endParaRPr lang="en-US"/>
           </a:p>
@@ -4667,12 +4667,282 @@
           </a:p>
         </p:txBody>
       </p:sp>
+      <p:sp>
+        <p:nvSpPr>
+          <p:cNvPr id="20" name="Object 2">
+            <a:extLst>
+              <a:ext uri="{FF2B5EF4-FFF2-40B4-BE49-F238E27FC236}">
+                <a16:creationId xmlns:a16="http://schemas.microsoft.com/office/drawing/2014/main" id="{69A1C5A3-CF87-4E16-9EC7-415D27A255E1}"/>
+              </a:ext>
+            </a:extLst>
+          </p:cNvPr>
+          <p:cNvSpPr txBox="1"/>
+          <p:nvPr/>
+        </p:nvSpPr>
+        <p:spPr>
+          <a:xfrm>
+            <a:off x="343778" y="3054935"/>
+            <a:ext cx="3787235" cy="507831"/>
+          </a:xfrm>
+          <a:prstGeom prst="rect">
+            <a:avLst/>
+          </a:prstGeom>
+          <a:noFill/>
+        </p:spPr>
+        <p:txBody>
+          <a:bodyPr wrap="square" rtlCol="0" anchor="t">
+            <a:spAutoFit/>
+          </a:bodyPr>
+          <a:lstStyle/>
+          <a:p>
+            <a:r>
+              <a:rPr lang="en-US" sz="2700" kern="0" spc="-150" dirty="0">
+                <a:latin typeface="HY헤드라인M" panose="02030600000101010101" pitchFamily="18" charset="-127"/>
+                <a:ea typeface="HY헤드라인M" panose="02030600000101010101" pitchFamily="18" charset="-127"/>
+                <a:cs typeface="S-Core Dream 8 Heavy" pitchFamily="34" charset="0"/>
+              </a:rPr>
+              <a:t>01 </a:t>
+            </a:r>
+            <a:r>
+              <a:rPr lang="ko-KR" altLang="en-US" sz="2700" kern="0" spc="-150" dirty="0">
+                <a:latin typeface="HY헤드라인M" panose="02030600000101010101" pitchFamily="18" charset="-127"/>
+                <a:ea typeface="HY헤드라인M" panose="02030600000101010101" pitchFamily="18" charset="-127"/>
+                <a:cs typeface="S-Core Dream 8 Heavy" pitchFamily="34" charset="0"/>
+              </a:rPr>
+              <a:t>프로젝트 개요</a:t>
+            </a:r>
+            <a:endParaRPr lang="en-US" sz="2700" spc="-150" dirty="0">
+              <a:latin typeface="HY헤드라인M" panose="02030600000101010101" pitchFamily="18" charset="-127"/>
+              <a:ea typeface="HY헤드라인M" panose="02030600000101010101" pitchFamily="18" charset="-127"/>
+            </a:endParaRPr>
+          </a:p>
+        </p:txBody>
+      </p:sp>
+      <p:sp>
+        <p:nvSpPr>
+          <p:cNvPr id="22" name="Object 7">
+            <a:extLst>
+              <a:ext uri="{FF2B5EF4-FFF2-40B4-BE49-F238E27FC236}">
+                <a16:creationId xmlns:a16="http://schemas.microsoft.com/office/drawing/2014/main" id="{F829F6EA-AF87-4489-A615-ECC02715C4CE}"/>
+              </a:ext>
+            </a:extLst>
+          </p:cNvPr>
+          <p:cNvSpPr txBox="1"/>
+          <p:nvPr/>
+        </p:nvSpPr>
+        <p:spPr>
+          <a:xfrm>
+            <a:off x="343779" y="3918798"/>
+            <a:ext cx="5014564" cy="507831"/>
+          </a:xfrm>
+          <a:prstGeom prst="rect">
+            <a:avLst/>
+          </a:prstGeom>
+          <a:noFill/>
+        </p:spPr>
+        <p:txBody>
+          <a:bodyPr wrap="square" rtlCol="0" anchor="t">
+            <a:spAutoFit/>
+          </a:bodyPr>
+          <a:lstStyle/>
+          <a:p>
+            <a:r>
+              <a:rPr lang="en-US" sz="2700" kern="0" spc="-150" dirty="0">
+                <a:latin typeface="HY헤드라인M" panose="02030600000101010101" pitchFamily="18" charset="-127"/>
+                <a:ea typeface="HY헤드라인M" panose="02030600000101010101" pitchFamily="18" charset="-127"/>
+                <a:cs typeface="S-Core Dream 5 Medium" pitchFamily="34" charset="0"/>
+              </a:rPr>
+              <a:t>02 </a:t>
+            </a:r>
+            <a:r>
+              <a:rPr lang="ko-KR" altLang="en-US" sz="2700" kern="0" spc="-150" dirty="0">
+                <a:latin typeface="HY헤드라인M" panose="02030600000101010101" pitchFamily="18" charset="-127"/>
+                <a:ea typeface="HY헤드라인M" panose="02030600000101010101" pitchFamily="18" charset="-127"/>
+                <a:cs typeface="S-Core Dream 5 Medium" pitchFamily="34" charset="0"/>
+              </a:rPr>
+              <a:t>제작 기간 및 업무담당</a:t>
+            </a:r>
+            <a:endParaRPr lang="en-US" sz="2700" spc="-150" dirty="0">
+              <a:latin typeface="HY헤드라인M" panose="02030600000101010101" pitchFamily="18" charset="-127"/>
+              <a:ea typeface="HY헤드라인M" panose="02030600000101010101" pitchFamily="18" charset="-127"/>
+            </a:endParaRPr>
+          </a:p>
+        </p:txBody>
+      </p:sp>
+      <p:sp>
+        <p:nvSpPr>
+          <p:cNvPr id="23" name="Object 8">
+            <a:extLst>
+              <a:ext uri="{FF2B5EF4-FFF2-40B4-BE49-F238E27FC236}">
+                <a16:creationId xmlns:a16="http://schemas.microsoft.com/office/drawing/2014/main" id="{4BC94F19-A170-4744-9AEB-B10B1F7F0494}"/>
+              </a:ext>
+            </a:extLst>
+          </p:cNvPr>
+          <p:cNvSpPr txBox="1"/>
+          <p:nvPr/>
+        </p:nvSpPr>
+        <p:spPr>
+          <a:xfrm>
+            <a:off x="343779" y="4782661"/>
+            <a:ext cx="3171161" cy="507831"/>
+          </a:xfrm>
+          <a:prstGeom prst="rect">
+            <a:avLst/>
+          </a:prstGeom>
+          <a:noFill/>
+        </p:spPr>
+        <p:txBody>
+          <a:bodyPr wrap="square" rtlCol="0" anchor="t">
+            <a:spAutoFit/>
+          </a:bodyPr>
+          <a:lstStyle/>
+          <a:p>
+            <a:r>
+              <a:rPr lang="en-US" sz="2700" kern="0" spc="-150" dirty="0">
+                <a:latin typeface="HY헤드라인M" panose="02030600000101010101" pitchFamily="18" charset="-127"/>
+                <a:ea typeface="HY헤드라인M" panose="02030600000101010101" pitchFamily="18" charset="-127"/>
+                <a:cs typeface="S-Core Dream 5 Medium" pitchFamily="34" charset="0"/>
+              </a:rPr>
+              <a:t>03 </a:t>
+            </a:r>
+            <a:r>
+              <a:rPr lang="ko-KR" altLang="en-US" sz="2700" kern="0" spc="-150" dirty="0">
+                <a:latin typeface="HY헤드라인M" panose="02030600000101010101" pitchFamily="18" charset="-127"/>
+                <a:ea typeface="HY헤드라인M" panose="02030600000101010101" pitchFamily="18" charset="-127"/>
+                <a:cs typeface="S-Core Dream 5 Medium" pitchFamily="34" charset="0"/>
+              </a:rPr>
+              <a:t>구조설계</a:t>
+            </a:r>
+            <a:endParaRPr lang="en-US" sz="2700" spc="-150" dirty="0">
+              <a:latin typeface="HY헤드라인M" panose="02030600000101010101" pitchFamily="18" charset="-127"/>
+              <a:ea typeface="HY헤드라인M" panose="02030600000101010101" pitchFamily="18" charset="-127"/>
+            </a:endParaRPr>
+          </a:p>
+        </p:txBody>
+      </p:sp>
+      <p:sp>
+        <p:nvSpPr>
+          <p:cNvPr id="24" name="Object 9">
+            <a:extLst>
+              <a:ext uri="{FF2B5EF4-FFF2-40B4-BE49-F238E27FC236}">
+                <a16:creationId xmlns:a16="http://schemas.microsoft.com/office/drawing/2014/main" id="{D54CDCB7-E1CB-48F3-A9E2-D4A7EC5A749B}"/>
+              </a:ext>
+            </a:extLst>
+          </p:cNvPr>
+          <p:cNvSpPr txBox="1"/>
+          <p:nvPr/>
+        </p:nvSpPr>
+        <p:spPr>
+          <a:xfrm>
+            <a:off x="343778" y="5646524"/>
+            <a:ext cx="4210475" cy="630942"/>
+          </a:xfrm>
+          <a:prstGeom prst="rect">
+            <a:avLst/>
+          </a:prstGeom>
+          <a:noFill/>
+        </p:spPr>
+        <p:txBody>
+          <a:bodyPr wrap="square" rtlCol="0" anchor="t">
+            <a:spAutoFit/>
+          </a:bodyPr>
+          <a:lstStyle/>
+          <a:p>
+            <a:r>
+              <a:rPr lang="en-US" sz="3500" kern="0" spc="-150" dirty="0">
+                <a:solidFill>
+                  <a:srgbClr val="3F5FFF"/>
+                </a:solidFill>
+                <a:latin typeface="HY헤드라인M" panose="02030600000101010101" pitchFamily="18" charset="-127"/>
+                <a:ea typeface="HY헤드라인M" panose="02030600000101010101" pitchFamily="18" charset="-127"/>
+                <a:cs typeface="S-Core Dream 5 Medium" pitchFamily="34" charset="0"/>
+              </a:rPr>
+              <a:t>04 </a:t>
+            </a:r>
+            <a:r>
+              <a:rPr lang="ko-KR" altLang="en-US" sz="3500" kern="0" spc="-150" dirty="0">
+                <a:solidFill>
+                  <a:srgbClr val="3F5FFF"/>
+                </a:solidFill>
+                <a:latin typeface="HY헤드라인M" panose="02030600000101010101" pitchFamily="18" charset="-127"/>
+                <a:ea typeface="HY헤드라인M" panose="02030600000101010101" pitchFamily="18" charset="-127"/>
+                <a:cs typeface="S-Core Dream 5 Medium" pitchFamily="34" charset="0"/>
+              </a:rPr>
+              <a:t>소스 설명 및 구현</a:t>
+            </a:r>
+            <a:endParaRPr lang="en-US" sz="3500" spc="-150" dirty="0">
+              <a:solidFill>
+                <a:srgbClr val="3F5FFF"/>
+              </a:solidFill>
+              <a:latin typeface="HY헤드라인M" panose="02030600000101010101" pitchFamily="18" charset="-127"/>
+              <a:ea typeface="HY헤드라인M" panose="02030600000101010101" pitchFamily="18" charset="-127"/>
+            </a:endParaRPr>
+          </a:p>
+        </p:txBody>
+      </p:sp>
+      <p:sp>
+        <p:nvSpPr>
+          <p:cNvPr id="25" name="Object 9">
+            <a:extLst>
+              <a:ext uri="{FF2B5EF4-FFF2-40B4-BE49-F238E27FC236}">
+                <a16:creationId xmlns:a16="http://schemas.microsoft.com/office/drawing/2014/main" id="{771F2EBC-3A2B-458D-B3BB-D100FB2F2D9A}"/>
+              </a:ext>
+            </a:extLst>
+          </p:cNvPr>
+          <p:cNvSpPr txBox="1"/>
+          <p:nvPr/>
+        </p:nvSpPr>
+        <p:spPr>
+          <a:xfrm>
+            <a:off x="343779" y="6633499"/>
+            <a:ext cx="3130238" cy="507831"/>
+          </a:xfrm>
+          <a:prstGeom prst="rect">
+            <a:avLst/>
+          </a:prstGeom>
+          <a:noFill/>
+        </p:spPr>
+        <p:txBody>
+          <a:bodyPr wrap="square" rtlCol="0" anchor="t">
+            <a:spAutoFit/>
+          </a:bodyPr>
+          <a:lstStyle/>
+          <a:p>
+            <a:r>
+              <a:rPr lang="en-US" sz="2700" kern="0" spc="-150" dirty="0">
+                <a:solidFill>
+                  <a:srgbClr val="000000"/>
+                </a:solidFill>
+                <a:latin typeface="HY헤드라인M" panose="02030600000101010101" pitchFamily="18" charset="-127"/>
+                <a:ea typeface="HY헤드라인M" panose="02030600000101010101" pitchFamily="18" charset="-127"/>
+                <a:cs typeface="S-Core Dream 5 Medium" pitchFamily="34" charset="0"/>
+              </a:rPr>
+              <a:t>05 </a:t>
+            </a:r>
+            <a:r>
+              <a:rPr lang="ko-KR" altLang="en-US" sz="2700" kern="0" spc="-150" dirty="0">
+                <a:solidFill>
+                  <a:srgbClr val="000000"/>
+                </a:solidFill>
+                <a:latin typeface="HY헤드라인M" panose="02030600000101010101" pitchFamily="18" charset="-127"/>
+                <a:ea typeface="HY헤드라인M" panose="02030600000101010101" pitchFamily="18" charset="-127"/>
+                <a:cs typeface="S-Core Dream 5 Medium" pitchFamily="34" charset="0"/>
+              </a:rPr>
+              <a:t>보완점 및 후기</a:t>
+            </a:r>
+            <a:endParaRPr lang="en-US" spc="-150" dirty="0">
+              <a:latin typeface="HY헤드라인M" panose="02030600000101010101" pitchFamily="18" charset="-127"/>
+              <a:ea typeface="HY헤드라인M" panose="02030600000101010101" pitchFamily="18" charset="-127"/>
+            </a:endParaRPr>
+          </a:p>
+        </p:txBody>
+      </p:sp>
       <p:pic>
         <p:nvPicPr>
-          <p:cNvPr id="19" name="그림 18">
+          <p:cNvPr id="26" name="그림 25">
             <a:extLst>
               <a:ext uri="{FF2B5EF4-FFF2-40B4-BE49-F238E27FC236}">
-                <a16:creationId xmlns:a16="http://schemas.microsoft.com/office/drawing/2014/main" id="{DF940A9C-212F-4AD9-BDDB-1E993EBE3FD3}"/>
+                <a16:creationId xmlns:a16="http://schemas.microsoft.com/office/drawing/2014/main" id="{9A479E32-0A06-4310-A424-340B188F7D0B}"/>
               </a:ext>
             </a:extLst>
           </p:cNvPr>
@@ -4695,284 +4965,50 @@
         </p:blipFill>
         <p:spPr>
           <a:xfrm>
-            <a:off x="8894617" y="2399822"/>
-            <a:ext cx="4289488" cy="7513104"/>
+            <a:off x="5665326" y="2452576"/>
+            <a:ext cx="6602873" cy="7492778"/>
           </a:xfrm>
           <a:prstGeom prst="rect">
             <a:avLst/>
           </a:prstGeom>
         </p:spPr>
       </p:pic>
-      <p:sp>
-        <p:nvSpPr>
-          <p:cNvPr id="20" name="Object 2">
+      <p:pic>
+        <p:nvPicPr>
+          <p:cNvPr id="27" name="그림 26">
             <a:extLst>
               <a:ext uri="{FF2B5EF4-FFF2-40B4-BE49-F238E27FC236}">
-                <a16:creationId xmlns:a16="http://schemas.microsoft.com/office/drawing/2014/main" id="{69A1C5A3-CF87-4E16-9EC7-415D27A255E1}"/>
+                <a16:creationId xmlns:a16="http://schemas.microsoft.com/office/drawing/2014/main" id="{FDB209C1-C623-432C-80A6-9C0B597BF850}"/>
               </a:ext>
             </a:extLst>
           </p:cNvPr>
-          <p:cNvSpPr txBox="1"/>
-          <p:nvPr/>
-        </p:nvSpPr>
+          <p:cNvPicPr>
+            <a:picLocks noChangeAspect="1"/>
+          </p:cNvPicPr>
+          <p:nvPr/>
+        </p:nvPicPr>
+        <p:blipFill>
+          <a:blip r:embed="rId7">
+            <a:extLst>
+              <a:ext uri="{28A0092B-C50C-407E-A947-70E740481C1C}">
+                <a14:useLocalDpi xmlns:a14="http://schemas.microsoft.com/office/drawing/2010/main" val="0"/>
+              </a:ext>
+            </a:extLst>
+          </a:blip>
+          <a:stretch>
+            <a:fillRect/>
+          </a:stretch>
+        </p:blipFill>
         <p:spPr>
           <a:xfrm>
-            <a:off x="343778" y="3054935"/>
-            <a:ext cx="3787235" cy="507831"/>
+            <a:off x="11292912" y="4353666"/>
+            <a:ext cx="5609876" cy="2192365"/>
           </a:xfrm>
           <a:prstGeom prst="rect">
             <a:avLst/>
           </a:prstGeom>
-          <a:noFill/>
         </p:spPr>
-        <p:txBody>
-          <a:bodyPr wrap="square" rtlCol="0" anchor="t">
-            <a:spAutoFit/>
-          </a:bodyPr>
-          <a:lstStyle/>
-          <a:p>
-            <a:r>
-              <a:rPr lang="en-US" sz="2700" kern="0" spc="-150" dirty="0">
-                <a:latin typeface="HY헤드라인M" panose="02030600000101010101" pitchFamily="18" charset="-127"/>
-                <a:ea typeface="HY헤드라인M" panose="02030600000101010101" pitchFamily="18" charset="-127"/>
-                <a:cs typeface="S-Core Dream 8 Heavy" pitchFamily="34" charset="0"/>
-              </a:rPr>
-              <a:t>01 </a:t>
-            </a:r>
-            <a:r>
-              <a:rPr lang="ko-KR" altLang="en-US" sz="2700" kern="0" spc="-150" dirty="0">
-                <a:latin typeface="HY헤드라인M" panose="02030600000101010101" pitchFamily="18" charset="-127"/>
-                <a:ea typeface="HY헤드라인M" panose="02030600000101010101" pitchFamily="18" charset="-127"/>
-                <a:cs typeface="S-Core Dream 8 Heavy" pitchFamily="34" charset="0"/>
-              </a:rPr>
-              <a:t>프로젝트 개요</a:t>
-            </a:r>
-            <a:endParaRPr lang="en-US" sz="2700" spc="-150" dirty="0">
-              <a:latin typeface="HY헤드라인M" panose="02030600000101010101" pitchFamily="18" charset="-127"/>
-              <a:ea typeface="HY헤드라인M" panose="02030600000101010101" pitchFamily="18" charset="-127"/>
-            </a:endParaRPr>
-          </a:p>
-        </p:txBody>
-      </p:sp>
-      <p:sp>
-        <p:nvSpPr>
-          <p:cNvPr id="22" name="Object 7">
-            <a:extLst>
-              <a:ext uri="{FF2B5EF4-FFF2-40B4-BE49-F238E27FC236}">
-                <a16:creationId xmlns:a16="http://schemas.microsoft.com/office/drawing/2014/main" id="{F829F6EA-AF87-4489-A615-ECC02715C4CE}"/>
-              </a:ext>
-            </a:extLst>
-          </p:cNvPr>
-          <p:cNvSpPr txBox="1"/>
-          <p:nvPr/>
-        </p:nvSpPr>
-        <p:spPr>
-          <a:xfrm>
-            <a:off x="343779" y="3918798"/>
-            <a:ext cx="5014564" cy="507831"/>
-          </a:xfrm>
-          <a:prstGeom prst="rect">
-            <a:avLst/>
-          </a:prstGeom>
-          <a:noFill/>
-        </p:spPr>
-        <p:txBody>
-          <a:bodyPr wrap="square" rtlCol="0" anchor="t">
-            <a:spAutoFit/>
-          </a:bodyPr>
-          <a:lstStyle/>
-          <a:p>
-            <a:r>
-              <a:rPr lang="en-US" sz="2700" kern="0" spc="-150" dirty="0">
-                <a:latin typeface="HY헤드라인M" panose="02030600000101010101" pitchFamily="18" charset="-127"/>
-                <a:ea typeface="HY헤드라인M" panose="02030600000101010101" pitchFamily="18" charset="-127"/>
-                <a:cs typeface="S-Core Dream 5 Medium" pitchFamily="34" charset="0"/>
-              </a:rPr>
-              <a:t>02 </a:t>
-            </a:r>
-            <a:r>
-              <a:rPr lang="ko-KR" altLang="en-US" sz="2700" kern="0" spc="-150" dirty="0">
-                <a:latin typeface="HY헤드라인M" panose="02030600000101010101" pitchFamily="18" charset="-127"/>
-                <a:ea typeface="HY헤드라인M" panose="02030600000101010101" pitchFamily="18" charset="-127"/>
-                <a:cs typeface="S-Core Dream 5 Medium" pitchFamily="34" charset="0"/>
-              </a:rPr>
-              <a:t>제작 기간 및 업무담당</a:t>
-            </a:r>
-            <a:endParaRPr lang="en-US" sz="2700" spc="-150" dirty="0">
-              <a:latin typeface="HY헤드라인M" panose="02030600000101010101" pitchFamily="18" charset="-127"/>
-              <a:ea typeface="HY헤드라인M" panose="02030600000101010101" pitchFamily="18" charset="-127"/>
-            </a:endParaRPr>
-          </a:p>
-        </p:txBody>
-      </p:sp>
-      <p:sp>
-        <p:nvSpPr>
-          <p:cNvPr id="23" name="Object 8">
-            <a:extLst>
-              <a:ext uri="{FF2B5EF4-FFF2-40B4-BE49-F238E27FC236}">
-                <a16:creationId xmlns:a16="http://schemas.microsoft.com/office/drawing/2014/main" id="{4BC94F19-A170-4744-9AEB-B10B1F7F0494}"/>
-              </a:ext>
-            </a:extLst>
-          </p:cNvPr>
-          <p:cNvSpPr txBox="1"/>
-          <p:nvPr/>
-        </p:nvSpPr>
-        <p:spPr>
-          <a:xfrm>
-            <a:off x="343779" y="4782661"/>
-            <a:ext cx="3171161" cy="507831"/>
-          </a:xfrm>
-          <a:prstGeom prst="rect">
-            <a:avLst/>
-          </a:prstGeom>
-          <a:noFill/>
-        </p:spPr>
-        <p:txBody>
-          <a:bodyPr wrap="square" rtlCol="0" anchor="t">
-            <a:spAutoFit/>
-          </a:bodyPr>
-          <a:lstStyle/>
-          <a:p>
-            <a:r>
-              <a:rPr lang="en-US" sz="2700" kern="0" spc="-150" dirty="0">
-                <a:latin typeface="HY헤드라인M" panose="02030600000101010101" pitchFamily="18" charset="-127"/>
-                <a:ea typeface="HY헤드라인M" panose="02030600000101010101" pitchFamily="18" charset="-127"/>
-                <a:cs typeface="S-Core Dream 5 Medium" pitchFamily="34" charset="0"/>
-              </a:rPr>
-              <a:t>03 </a:t>
-            </a:r>
-            <a:r>
-              <a:rPr lang="ko-KR" altLang="en-US" sz="2700" kern="0" spc="-150" dirty="0">
-                <a:latin typeface="HY헤드라인M" panose="02030600000101010101" pitchFamily="18" charset="-127"/>
-                <a:ea typeface="HY헤드라인M" panose="02030600000101010101" pitchFamily="18" charset="-127"/>
-                <a:cs typeface="S-Core Dream 5 Medium" pitchFamily="34" charset="0"/>
-              </a:rPr>
-              <a:t>구조설계</a:t>
-            </a:r>
-            <a:endParaRPr lang="en-US" sz="2700" spc="-150" dirty="0">
-              <a:latin typeface="HY헤드라인M" panose="02030600000101010101" pitchFamily="18" charset="-127"/>
-              <a:ea typeface="HY헤드라인M" panose="02030600000101010101" pitchFamily="18" charset="-127"/>
-            </a:endParaRPr>
-          </a:p>
-        </p:txBody>
-      </p:sp>
-      <p:sp>
-        <p:nvSpPr>
-          <p:cNvPr id="24" name="Object 9">
-            <a:extLst>
-              <a:ext uri="{FF2B5EF4-FFF2-40B4-BE49-F238E27FC236}">
-                <a16:creationId xmlns:a16="http://schemas.microsoft.com/office/drawing/2014/main" id="{D54CDCB7-E1CB-48F3-A9E2-D4A7EC5A749B}"/>
-              </a:ext>
-            </a:extLst>
-          </p:cNvPr>
-          <p:cNvSpPr txBox="1"/>
-          <p:nvPr/>
-        </p:nvSpPr>
-        <p:spPr>
-          <a:xfrm>
-            <a:off x="343778" y="5646524"/>
-            <a:ext cx="4210475" cy="630942"/>
-          </a:xfrm>
-          <a:prstGeom prst="rect">
-            <a:avLst/>
-          </a:prstGeom>
-          <a:noFill/>
-        </p:spPr>
-        <p:txBody>
-          <a:bodyPr wrap="square" rtlCol="0" anchor="t">
-            <a:spAutoFit/>
-          </a:bodyPr>
-          <a:lstStyle/>
-          <a:p>
-            <a:r>
-              <a:rPr lang="en-US" sz="3500" kern="0" spc="-150" dirty="0">
-                <a:solidFill>
-                  <a:srgbClr val="3F5FFF"/>
-                </a:solidFill>
-                <a:latin typeface="HY헤드라인M" panose="02030600000101010101" pitchFamily="18" charset="-127"/>
-                <a:ea typeface="HY헤드라인M" panose="02030600000101010101" pitchFamily="18" charset="-127"/>
-                <a:cs typeface="S-Core Dream 5 Medium" pitchFamily="34" charset="0"/>
-              </a:rPr>
-              <a:t>04 </a:t>
-            </a:r>
-            <a:r>
-              <a:rPr lang="ko-KR" altLang="en-US" sz="3500" kern="0" spc="-150" dirty="0">
-                <a:solidFill>
-                  <a:srgbClr val="3F5FFF"/>
-                </a:solidFill>
-                <a:latin typeface="HY헤드라인M" panose="02030600000101010101" pitchFamily="18" charset="-127"/>
-                <a:ea typeface="HY헤드라인M" panose="02030600000101010101" pitchFamily="18" charset="-127"/>
-                <a:cs typeface="S-Core Dream 5 Medium" pitchFamily="34" charset="0"/>
-              </a:rPr>
-              <a:t>소스 설명 및 구현</a:t>
-            </a:r>
-            <a:endParaRPr lang="en-US" sz="3500" spc="-150" dirty="0">
-              <a:solidFill>
-                <a:srgbClr val="3F5FFF"/>
-              </a:solidFill>
-              <a:latin typeface="HY헤드라인M" panose="02030600000101010101" pitchFamily="18" charset="-127"/>
-              <a:ea typeface="HY헤드라인M" panose="02030600000101010101" pitchFamily="18" charset="-127"/>
-            </a:endParaRPr>
-          </a:p>
-        </p:txBody>
-      </p:sp>
-      <p:sp>
-        <p:nvSpPr>
-          <p:cNvPr id="25" name="Object 9">
-            <a:extLst>
-              <a:ext uri="{FF2B5EF4-FFF2-40B4-BE49-F238E27FC236}">
-                <a16:creationId xmlns:a16="http://schemas.microsoft.com/office/drawing/2014/main" id="{771F2EBC-3A2B-458D-B3BB-D100FB2F2D9A}"/>
-              </a:ext>
-            </a:extLst>
-          </p:cNvPr>
-          <p:cNvSpPr txBox="1"/>
-          <p:nvPr/>
-        </p:nvSpPr>
-        <p:spPr>
-          <a:xfrm>
-            <a:off x="343779" y="6633499"/>
-            <a:ext cx="3130238" cy="507831"/>
-          </a:xfrm>
-          <a:prstGeom prst="rect">
-            <a:avLst/>
-          </a:prstGeom>
-          <a:noFill/>
-        </p:spPr>
-        <p:txBody>
-          <a:bodyPr wrap="square" rtlCol="0" anchor="t">
-            <a:spAutoFit/>
-          </a:bodyPr>
-          <a:lstStyle/>
-          <a:p>
-            <a:r>
-              <a:rPr lang="en-US" sz="2700" kern="0" spc="-150" dirty="0">
-                <a:solidFill>
-                  <a:srgbClr val="000000"/>
-                </a:solidFill>
-                <a:latin typeface="HY헤드라인M" panose="02030600000101010101" pitchFamily="18" charset="-127"/>
-                <a:ea typeface="HY헤드라인M" panose="02030600000101010101" pitchFamily="18" charset="-127"/>
-                <a:cs typeface="S-Core Dream 5 Medium" pitchFamily="34" charset="0"/>
-              </a:rPr>
-              <a:t>05 </a:t>
-            </a:r>
-            <a:r>
-              <a:rPr lang="ko-KR" altLang="en-US" sz="2700" kern="0" spc="-150" dirty="0">
-                <a:solidFill>
-                  <a:srgbClr val="000000"/>
-                </a:solidFill>
-                <a:latin typeface="HY헤드라인M" panose="02030600000101010101" pitchFamily="18" charset="-127"/>
-                <a:ea typeface="HY헤드라인M" panose="02030600000101010101" pitchFamily="18" charset="-127"/>
-                <a:cs typeface="S-Core Dream 5 Medium" pitchFamily="34" charset="0"/>
-              </a:rPr>
-              <a:t>보완점 및 후기</a:t>
-            </a:r>
-            <a:endParaRPr lang="en-US" spc="-150" dirty="0">
-              <a:latin typeface="HY헤드라인M" panose="02030600000101010101" pitchFamily="18" charset="-127"/>
-              <a:ea typeface="HY헤드라인M" panose="02030600000101010101" pitchFamily="18" charset="-127"/>
-            </a:endParaRPr>
-          </a:p>
-        </p:txBody>
-      </p:sp>
+      </p:pic>
     </p:spTree>
     <p:extLst>
       <p:ext uri="{BB962C8B-B14F-4D97-AF65-F5344CB8AC3E}">
@@ -5827,7 +5863,7 @@
         </p:nvCxnSpPr>
         <p:spPr>
           <a:xfrm flipV="1">
-            <a:off x="10977722" y="4414580"/>
+            <a:off x="10977722" y="4401517"/>
             <a:ext cx="757078" cy="629206"/>
           </a:xfrm>
           <a:prstGeom prst="bentConnector3">
@@ -7204,12 +7240,282 @@
           </a:p>
         </p:txBody>
       </p:sp>
+      <p:sp>
+        <p:nvSpPr>
+          <p:cNvPr id="22" name="Object 2">
+            <a:extLst>
+              <a:ext uri="{FF2B5EF4-FFF2-40B4-BE49-F238E27FC236}">
+                <a16:creationId xmlns:a16="http://schemas.microsoft.com/office/drawing/2014/main" id="{95ED44B3-595E-4A09-AB90-BD705D7339A7}"/>
+              </a:ext>
+            </a:extLst>
+          </p:cNvPr>
+          <p:cNvSpPr txBox="1"/>
+          <p:nvPr/>
+        </p:nvSpPr>
+        <p:spPr>
+          <a:xfrm>
+            <a:off x="343778" y="3054935"/>
+            <a:ext cx="3787235" cy="507831"/>
+          </a:xfrm>
+          <a:prstGeom prst="rect">
+            <a:avLst/>
+          </a:prstGeom>
+          <a:noFill/>
+        </p:spPr>
+        <p:txBody>
+          <a:bodyPr wrap="square" rtlCol="0" anchor="t">
+            <a:spAutoFit/>
+          </a:bodyPr>
+          <a:lstStyle/>
+          <a:p>
+            <a:r>
+              <a:rPr lang="en-US" sz="2700" kern="0" spc="-150" dirty="0">
+                <a:latin typeface="HY헤드라인M" panose="02030600000101010101" pitchFamily="18" charset="-127"/>
+                <a:ea typeface="HY헤드라인M" panose="02030600000101010101" pitchFamily="18" charset="-127"/>
+                <a:cs typeface="S-Core Dream 8 Heavy" pitchFamily="34" charset="0"/>
+              </a:rPr>
+              <a:t>01 </a:t>
+            </a:r>
+            <a:r>
+              <a:rPr lang="ko-KR" altLang="en-US" sz="2700" kern="0" spc="-150" dirty="0">
+                <a:latin typeface="HY헤드라인M" panose="02030600000101010101" pitchFamily="18" charset="-127"/>
+                <a:ea typeface="HY헤드라인M" panose="02030600000101010101" pitchFamily="18" charset="-127"/>
+                <a:cs typeface="S-Core Dream 8 Heavy" pitchFamily="34" charset="0"/>
+              </a:rPr>
+              <a:t>프로젝트 개요</a:t>
+            </a:r>
+            <a:endParaRPr lang="en-US" sz="2700" spc="-150" dirty="0">
+              <a:latin typeface="HY헤드라인M" panose="02030600000101010101" pitchFamily="18" charset="-127"/>
+              <a:ea typeface="HY헤드라인M" panose="02030600000101010101" pitchFamily="18" charset="-127"/>
+            </a:endParaRPr>
+          </a:p>
+        </p:txBody>
+      </p:sp>
+      <p:sp>
+        <p:nvSpPr>
+          <p:cNvPr id="23" name="Object 7">
+            <a:extLst>
+              <a:ext uri="{FF2B5EF4-FFF2-40B4-BE49-F238E27FC236}">
+                <a16:creationId xmlns:a16="http://schemas.microsoft.com/office/drawing/2014/main" id="{4DF8159F-9A22-4AF7-8ED6-F45F7E88B4DE}"/>
+              </a:ext>
+            </a:extLst>
+          </p:cNvPr>
+          <p:cNvSpPr txBox="1"/>
+          <p:nvPr/>
+        </p:nvSpPr>
+        <p:spPr>
+          <a:xfrm>
+            <a:off x="343779" y="3918798"/>
+            <a:ext cx="5014564" cy="507831"/>
+          </a:xfrm>
+          <a:prstGeom prst="rect">
+            <a:avLst/>
+          </a:prstGeom>
+          <a:noFill/>
+        </p:spPr>
+        <p:txBody>
+          <a:bodyPr wrap="square" rtlCol="0" anchor="t">
+            <a:spAutoFit/>
+          </a:bodyPr>
+          <a:lstStyle/>
+          <a:p>
+            <a:r>
+              <a:rPr lang="en-US" sz="2700" kern="0" spc="-150" dirty="0">
+                <a:latin typeface="HY헤드라인M" panose="02030600000101010101" pitchFamily="18" charset="-127"/>
+                <a:ea typeface="HY헤드라인M" panose="02030600000101010101" pitchFamily="18" charset="-127"/>
+                <a:cs typeface="S-Core Dream 5 Medium" pitchFamily="34" charset="0"/>
+              </a:rPr>
+              <a:t>02 </a:t>
+            </a:r>
+            <a:r>
+              <a:rPr lang="ko-KR" altLang="en-US" sz="2700" kern="0" spc="-150" dirty="0">
+                <a:latin typeface="HY헤드라인M" panose="02030600000101010101" pitchFamily="18" charset="-127"/>
+                <a:ea typeface="HY헤드라인M" panose="02030600000101010101" pitchFamily="18" charset="-127"/>
+                <a:cs typeface="S-Core Dream 5 Medium" pitchFamily="34" charset="0"/>
+              </a:rPr>
+              <a:t>제작 기간 및 업무담당</a:t>
+            </a:r>
+            <a:endParaRPr lang="en-US" sz="2700" spc="-150" dirty="0">
+              <a:latin typeface="HY헤드라인M" panose="02030600000101010101" pitchFamily="18" charset="-127"/>
+              <a:ea typeface="HY헤드라인M" panose="02030600000101010101" pitchFamily="18" charset="-127"/>
+            </a:endParaRPr>
+          </a:p>
+        </p:txBody>
+      </p:sp>
+      <p:sp>
+        <p:nvSpPr>
+          <p:cNvPr id="24" name="Object 8">
+            <a:extLst>
+              <a:ext uri="{FF2B5EF4-FFF2-40B4-BE49-F238E27FC236}">
+                <a16:creationId xmlns:a16="http://schemas.microsoft.com/office/drawing/2014/main" id="{3C0B7CD7-F172-445D-BFD5-3BFD11F2F148}"/>
+              </a:ext>
+            </a:extLst>
+          </p:cNvPr>
+          <p:cNvSpPr txBox="1"/>
+          <p:nvPr/>
+        </p:nvSpPr>
+        <p:spPr>
+          <a:xfrm>
+            <a:off x="343779" y="4782661"/>
+            <a:ext cx="3171161" cy="507831"/>
+          </a:xfrm>
+          <a:prstGeom prst="rect">
+            <a:avLst/>
+          </a:prstGeom>
+          <a:noFill/>
+        </p:spPr>
+        <p:txBody>
+          <a:bodyPr wrap="square" rtlCol="0" anchor="t">
+            <a:spAutoFit/>
+          </a:bodyPr>
+          <a:lstStyle/>
+          <a:p>
+            <a:r>
+              <a:rPr lang="en-US" sz="2700" kern="0" spc="-150" dirty="0">
+                <a:latin typeface="HY헤드라인M" panose="02030600000101010101" pitchFamily="18" charset="-127"/>
+                <a:ea typeface="HY헤드라인M" panose="02030600000101010101" pitchFamily="18" charset="-127"/>
+                <a:cs typeface="S-Core Dream 5 Medium" pitchFamily="34" charset="0"/>
+              </a:rPr>
+              <a:t>03 </a:t>
+            </a:r>
+            <a:r>
+              <a:rPr lang="ko-KR" altLang="en-US" sz="2700" kern="0" spc="-150" dirty="0">
+                <a:latin typeface="HY헤드라인M" panose="02030600000101010101" pitchFamily="18" charset="-127"/>
+                <a:ea typeface="HY헤드라인M" panose="02030600000101010101" pitchFamily="18" charset="-127"/>
+                <a:cs typeface="S-Core Dream 5 Medium" pitchFamily="34" charset="0"/>
+              </a:rPr>
+              <a:t>구조설계</a:t>
+            </a:r>
+            <a:endParaRPr lang="en-US" sz="2700" spc="-150" dirty="0">
+              <a:latin typeface="HY헤드라인M" panose="02030600000101010101" pitchFamily="18" charset="-127"/>
+              <a:ea typeface="HY헤드라인M" panose="02030600000101010101" pitchFamily="18" charset="-127"/>
+            </a:endParaRPr>
+          </a:p>
+        </p:txBody>
+      </p:sp>
+      <p:sp>
+        <p:nvSpPr>
+          <p:cNvPr id="25" name="Object 9">
+            <a:extLst>
+              <a:ext uri="{FF2B5EF4-FFF2-40B4-BE49-F238E27FC236}">
+                <a16:creationId xmlns:a16="http://schemas.microsoft.com/office/drawing/2014/main" id="{CF8A83D2-6197-476D-A900-F85CB2DED089}"/>
+              </a:ext>
+            </a:extLst>
+          </p:cNvPr>
+          <p:cNvSpPr txBox="1"/>
+          <p:nvPr/>
+        </p:nvSpPr>
+        <p:spPr>
+          <a:xfrm>
+            <a:off x="343778" y="5646524"/>
+            <a:ext cx="4210475" cy="630942"/>
+          </a:xfrm>
+          <a:prstGeom prst="rect">
+            <a:avLst/>
+          </a:prstGeom>
+          <a:noFill/>
+        </p:spPr>
+        <p:txBody>
+          <a:bodyPr wrap="square" rtlCol="0" anchor="t">
+            <a:spAutoFit/>
+          </a:bodyPr>
+          <a:lstStyle/>
+          <a:p>
+            <a:r>
+              <a:rPr lang="en-US" sz="3500" kern="0" spc="-150" dirty="0">
+                <a:solidFill>
+                  <a:srgbClr val="3F5FFF"/>
+                </a:solidFill>
+                <a:latin typeface="HY헤드라인M" panose="02030600000101010101" pitchFamily="18" charset="-127"/>
+                <a:ea typeface="HY헤드라인M" panose="02030600000101010101" pitchFamily="18" charset="-127"/>
+                <a:cs typeface="S-Core Dream 5 Medium" pitchFamily="34" charset="0"/>
+              </a:rPr>
+              <a:t>04 </a:t>
+            </a:r>
+            <a:r>
+              <a:rPr lang="ko-KR" altLang="en-US" sz="3500" kern="0" spc="-150" dirty="0">
+                <a:solidFill>
+                  <a:srgbClr val="3F5FFF"/>
+                </a:solidFill>
+                <a:latin typeface="HY헤드라인M" panose="02030600000101010101" pitchFamily="18" charset="-127"/>
+                <a:ea typeface="HY헤드라인M" panose="02030600000101010101" pitchFamily="18" charset="-127"/>
+                <a:cs typeface="S-Core Dream 5 Medium" pitchFamily="34" charset="0"/>
+              </a:rPr>
+              <a:t>소스 설명 및 구현</a:t>
+            </a:r>
+            <a:endParaRPr lang="en-US" sz="3500" spc="-150" dirty="0">
+              <a:solidFill>
+                <a:srgbClr val="3F5FFF"/>
+              </a:solidFill>
+              <a:latin typeface="HY헤드라인M" panose="02030600000101010101" pitchFamily="18" charset="-127"/>
+              <a:ea typeface="HY헤드라인M" panose="02030600000101010101" pitchFamily="18" charset="-127"/>
+            </a:endParaRPr>
+          </a:p>
+        </p:txBody>
+      </p:sp>
+      <p:sp>
+        <p:nvSpPr>
+          <p:cNvPr id="26" name="Object 9">
+            <a:extLst>
+              <a:ext uri="{FF2B5EF4-FFF2-40B4-BE49-F238E27FC236}">
+                <a16:creationId xmlns:a16="http://schemas.microsoft.com/office/drawing/2014/main" id="{BFCBEDF2-6027-4649-961B-4A98BBF54C06}"/>
+              </a:ext>
+            </a:extLst>
+          </p:cNvPr>
+          <p:cNvSpPr txBox="1"/>
+          <p:nvPr/>
+        </p:nvSpPr>
+        <p:spPr>
+          <a:xfrm>
+            <a:off x="343779" y="6633499"/>
+            <a:ext cx="3130238" cy="507831"/>
+          </a:xfrm>
+          <a:prstGeom prst="rect">
+            <a:avLst/>
+          </a:prstGeom>
+          <a:noFill/>
+        </p:spPr>
+        <p:txBody>
+          <a:bodyPr wrap="square" rtlCol="0" anchor="t">
+            <a:spAutoFit/>
+          </a:bodyPr>
+          <a:lstStyle/>
+          <a:p>
+            <a:r>
+              <a:rPr lang="en-US" sz="2700" kern="0" spc="-150" dirty="0">
+                <a:solidFill>
+                  <a:srgbClr val="000000"/>
+                </a:solidFill>
+                <a:latin typeface="HY헤드라인M" panose="02030600000101010101" pitchFamily="18" charset="-127"/>
+                <a:ea typeface="HY헤드라인M" panose="02030600000101010101" pitchFamily="18" charset="-127"/>
+                <a:cs typeface="S-Core Dream 5 Medium" pitchFamily="34" charset="0"/>
+              </a:rPr>
+              <a:t>05 </a:t>
+            </a:r>
+            <a:r>
+              <a:rPr lang="ko-KR" altLang="en-US" sz="2700" kern="0" spc="-150" dirty="0">
+                <a:solidFill>
+                  <a:srgbClr val="000000"/>
+                </a:solidFill>
+                <a:latin typeface="HY헤드라인M" panose="02030600000101010101" pitchFamily="18" charset="-127"/>
+                <a:ea typeface="HY헤드라인M" panose="02030600000101010101" pitchFamily="18" charset="-127"/>
+                <a:cs typeface="S-Core Dream 5 Medium" pitchFamily="34" charset="0"/>
+              </a:rPr>
+              <a:t>보완점 및 후기</a:t>
+            </a:r>
+            <a:endParaRPr lang="en-US" spc="-150" dirty="0">
+              <a:latin typeface="HY헤드라인M" panose="02030600000101010101" pitchFamily="18" charset="-127"/>
+              <a:ea typeface="HY헤드라인M" panose="02030600000101010101" pitchFamily="18" charset="-127"/>
+            </a:endParaRPr>
+          </a:p>
+        </p:txBody>
+      </p:sp>
       <p:pic>
         <p:nvPicPr>
-          <p:cNvPr id="19" name="그림 18">
+          <p:cNvPr id="27" name="그림 26">
             <a:extLst>
               <a:ext uri="{FF2B5EF4-FFF2-40B4-BE49-F238E27FC236}">
-                <a16:creationId xmlns:a16="http://schemas.microsoft.com/office/drawing/2014/main" id="{8AE32F57-DFCD-4F9E-AE72-3C873250BBC3}"/>
+                <a16:creationId xmlns:a16="http://schemas.microsoft.com/office/drawing/2014/main" id="{D1799919-F004-4AC8-AA24-40D1028F49ED}"/>
               </a:ext>
             </a:extLst>
           </p:cNvPr>
@@ -7232,7 +7538,7 @@
         </p:blipFill>
         <p:spPr>
           <a:xfrm>
-            <a:off x="12322272" y="3910247"/>
+            <a:off x="12107921" y="2615312"/>
             <a:ext cx="5906324" cy="1724266"/>
           </a:xfrm>
           <a:prstGeom prst="rect">
@@ -7242,10 +7548,10 @@
       </p:pic>
       <p:pic>
         <p:nvPicPr>
-          <p:cNvPr id="20" name="그림 19">
+          <p:cNvPr id="28" name="그림 27">
             <a:extLst>
               <a:ext uri="{FF2B5EF4-FFF2-40B4-BE49-F238E27FC236}">
-                <a16:creationId xmlns:a16="http://schemas.microsoft.com/office/drawing/2014/main" id="{3B732CC7-3C28-40C1-A68D-D744FC5C5081}"/>
+                <a16:creationId xmlns:a16="http://schemas.microsoft.com/office/drawing/2014/main" id="{F8476F70-35BE-4153-8C5A-936C49634AF4}"/>
               </a:ext>
             </a:extLst>
           </p:cNvPr>
@@ -7268,284 +7574,50 @@
         </p:blipFill>
         <p:spPr>
           <a:xfrm>
-            <a:off x="5249911" y="2682613"/>
-            <a:ext cx="6806533" cy="6879896"/>
+            <a:off x="5203485" y="2412375"/>
+            <a:ext cx="6711246" cy="6005354"/>
           </a:xfrm>
           <a:prstGeom prst="rect">
             <a:avLst/>
           </a:prstGeom>
         </p:spPr>
       </p:pic>
-      <p:sp>
-        <p:nvSpPr>
-          <p:cNvPr id="22" name="Object 2">
+      <p:pic>
+        <p:nvPicPr>
+          <p:cNvPr id="30" name="그림 29">
             <a:extLst>
               <a:ext uri="{FF2B5EF4-FFF2-40B4-BE49-F238E27FC236}">
-                <a16:creationId xmlns:a16="http://schemas.microsoft.com/office/drawing/2014/main" id="{95ED44B3-595E-4A09-AB90-BD705D7339A7}"/>
+                <a16:creationId xmlns:a16="http://schemas.microsoft.com/office/drawing/2014/main" id="{9C691A28-7BE8-449D-8C36-4D0552CC32E4}"/>
               </a:ext>
             </a:extLst>
           </p:cNvPr>
-          <p:cNvSpPr txBox="1"/>
-          <p:nvPr/>
-        </p:nvSpPr>
+          <p:cNvPicPr>
+            <a:picLocks noChangeAspect="1"/>
+          </p:cNvPicPr>
+          <p:nvPr/>
+        </p:nvPicPr>
+        <p:blipFill>
+          <a:blip r:embed="rId8">
+            <a:extLst>
+              <a:ext uri="{28A0092B-C50C-407E-A947-70E740481C1C}">
+                <a14:useLocalDpi xmlns:a14="http://schemas.microsoft.com/office/drawing/2010/main" val="0"/>
+              </a:ext>
+            </a:extLst>
+          </a:blip>
+          <a:stretch>
+            <a:fillRect/>
+          </a:stretch>
+        </p:blipFill>
         <p:spPr>
           <a:xfrm>
-            <a:off x="343778" y="3054935"/>
-            <a:ext cx="3787235" cy="507831"/>
+            <a:off x="10244094" y="5619099"/>
+            <a:ext cx="7770151" cy="4667901"/>
           </a:xfrm>
           <a:prstGeom prst="rect">
             <a:avLst/>
           </a:prstGeom>
-          <a:noFill/>
         </p:spPr>
-        <p:txBody>
-          <a:bodyPr wrap="square" rtlCol="0" anchor="t">
-            <a:spAutoFit/>
-          </a:bodyPr>
-          <a:lstStyle/>
-          <a:p>
-            <a:r>
-              <a:rPr lang="en-US" sz="2700" kern="0" spc="-150" dirty="0">
-                <a:latin typeface="HY헤드라인M" panose="02030600000101010101" pitchFamily="18" charset="-127"/>
-                <a:ea typeface="HY헤드라인M" panose="02030600000101010101" pitchFamily="18" charset="-127"/>
-                <a:cs typeface="S-Core Dream 8 Heavy" pitchFamily="34" charset="0"/>
-              </a:rPr>
-              <a:t>01 </a:t>
-            </a:r>
-            <a:r>
-              <a:rPr lang="ko-KR" altLang="en-US" sz="2700" kern="0" spc="-150" dirty="0">
-                <a:latin typeface="HY헤드라인M" panose="02030600000101010101" pitchFamily="18" charset="-127"/>
-                <a:ea typeface="HY헤드라인M" panose="02030600000101010101" pitchFamily="18" charset="-127"/>
-                <a:cs typeface="S-Core Dream 8 Heavy" pitchFamily="34" charset="0"/>
-              </a:rPr>
-              <a:t>프로젝트 개요</a:t>
-            </a:r>
-            <a:endParaRPr lang="en-US" sz="2700" spc="-150" dirty="0">
-              <a:latin typeface="HY헤드라인M" panose="02030600000101010101" pitchFamily="18" charset="-127"/>
-              <a:ea typeface="HY헤드라인M" panose="02030600000101010101" pitchFamily="18" charset="-127"/>
-            </a:endParaRPr>
-          </a:p>
-        </p:txBody>
-      </p:sp>
-      <p:sp>
-        <p:nvSpPr>
-          <p:cNvPr id="23" name="Object 7">
-            <a:extLst>
-              <a:ext uri="{FF2B5EF4-FFF2-40B4-BE49-F238E27FC236}">
-                <a16:creationId xmlns:a16="http://schemas.microsoft.com/office/drawing/2014/main" id="{4DF8159F-9A22-4AF7-8ED6-F45F7E88B4DE}"/>
-              </a:ext>
-            </a:extLst>
-          </p:cNvPr>
-          <p:cNvSpPr txBox="1"/>
-          <p:nvPr/>
-        </p:nvSpPr>
-        <p:spPr>
-          <a:xfrm>
-            <a:off x="343779" y="3918798"/>
-            <a:ext cx="5014564" cy="507831"/>
-          </a:xfrm>
-          <a:prstGeom prst="rect">
-            <a:avLst/>
-          </a:prstGeom>
-          <a:noFill/>
-        </p:spPr>
-        <p:txBody>
-          <a:bodyPr wrap="square" rtlCol="0" anchor="t">
-            <a:spAutoFit/>
-          </a:bodyPr>
-          <a:lstStyle/>
-          <a:p>
-            <a:r>
-              <a:rPr lang="en-US" sz="2700" kern="0" spc="-150" dirty="0">
-                <a:latin typeface="HY헤드라인M" panose="02030600000101010101" pitchFamily="18" charset="-127"/>
-                <a:ea typeface="HY헤드라인M" panose="02030600000101010101" pitchFamily="18" charset="-127"/>
-                <a:cs typeface="S-Core Dream 5 Medium" pitchFamily="34" charset="0"/>
-              </a:rPr>
-              <a:t>02 </a:t>
-            </a:r>
-            <a:r>
-              <a:rPr lang="ko-KR" altLang="en-US" sz="2700" kern="0" spc="-150" dirty="0">
-                <a:latin typeface="HY헤드라인M" panose="02030600000101010101" pitchFamily="18" charset="-127"/>
-                <a:ea typeface="HY헤드라인M" panose="02030600000101010101" pitchFamily="18" charset="-127"/>
-                <a:cs typeface="S-Core Dream 5 Medium" pitchFamily="34" charset="0"/>
-              </a:rPr>
-              <a:t>제작 기간 및 업무담당</a:t>
-            </a:r>
-            <a:endParaRPr lang="en-US" sz="2700" spc="-150" dirty="0">
-              <a:latin typeface="HY헤드라인M" panose="02030600000101010101" pitchFamily="18" charset="-127"/>
-              <a:ea typeface="HY헤드라인M" panose="02030600000101010101" pitchFamily="18" charset="-127"/>
-            </a:endParaRPr>
-          </a:p>
-        </p:txBody>
-      </p:sp>
-      <p:sp>
-        <p:nvSpPr>
-          <p:cNvPr id="24" name="Object 8">
-            <a:extLst>
-              <a:ext uri="{FF2B5EF4-FFF2-40B4-BE49-F238E27FC236}">
-                <a16:creationId xmlns:a16="http://schemas.microsoft.com/office/drawing/2014/main" id="{3C0B7CD7-F172-445D-BFD5-3BFD11F2F148}"/>
-              </a:ext>
-            </a:extLst>
-          </p:cNvPr>
-          <p:cNvSpPr txBox="1"/>
-          <p:nvPr/>
-        </p:nvSpPr>
-        <p:spPr>
-          <a:xfrm>
-            <a:off x="343779" y="4782661"/>
-            <a:ext cx="3171161" cy="507831"/>
-          </a:xfrm>
-          <a:prstGeom prst="rect">
-            <a:avLst/>
-          </a:prstGeom>
-          <a:noFill/>
-        </p:spPr>
-        <p:txBody>
-          <a:bodyPr wrap="square" rtlCol="0" anchor="t">
-            <a:spAutoFit/>
-          </a:bodyPr>
-          <a:lstStyle/>
-          <a:p>
-            <a:r>
-              <a:rPr lang="en-US" sz="2700" kern="0" spc="-150" dirty="0">
-                <a:latin typeface="HY헤드라인M" panose="02030600000101010101" pitchFamily="18" charset="-127"/>
-                <a:ea typeface="HY헤드라인M" panose="02030600000101010101" pitchFamily="18" charset="-127"/>
-                <a:cs typeface="S-Core Dream 5 Medium" pitchFamily="34" charset="0"/>
-              </a:rPr>
-              <a:t>03 </a:t>
-            </a:r>
-            <a:r>
-              <a:rPr lang="ko-KR" altLang="en-US" sz="2700" kern="0" spc="-150" dirty="0">
-                <a:latin typeface="HY헤드라인M" panose="02030600000101010101" pitchFamily="18" charset="-127"/>
-                <a:ea typeface="HY헤드라인M" panose="02030600000101010101" pitchFamily="18" charset="-127"/>
-                <a:cs typeface="S-Core Dream 5 Medium" pitchFamily="34" charset="0"/>
-              </a:rPr>
-              <a:t>구조설계</a:t>
-            </a:r>
-            <a:endParaRPr lang="en-US" sz="2700" spc="-150" dirty="0">
-              <a:latin typeface="HY헤드라인M" panose="02030600000101010101" pitchFamily="18" charset="-127"/>
-              <a:ea typeface="HY헤드라인M" panose="02030600000101010101" pitchFamily="18" charset="-127"/>
-            </a:endParaRPr>
-          </a:p>
-        </p:txBody>
-      </p:sp>
-      <p:sp>
-        <p:nvSpPr>
-          <p:cNvPr id="25" name="Object 9">
-            <a:extLst>
-              <a:ext uri="{FF2B5EF4-FFF2-40B4-BE49-F238E27FC236}">
-                <a16:creationId xmlns:a16="http://schemas.microsoft.com/office/drawing/2014/main" id="{CF8A83D2-6197-476D-A900-F85CB2DED089}"/>
-              </a:ext>
-            </a:extLst>
-          </p:cNvPr>
-          <p:cNvSpPr txBox="1"/>
-          <p:nvPr/>
-        </p:nvSpPr>
-        <p:spPr>
-          <a:xfrm>
-            <a:off x="343778" y="5646524"/>
-            <a:ext cx="4210475" cy="630942"/>
-          </a:xfrm>
-          <a:prstGeom prst="rect">
-            <a:avLst/>
-          </a:prstGeom>
-          <a:noFill/>
-        </p:spPr>
-        <p:txBody>
-          <a:bodyPr wrap="square" rtlCol="0" anchor="t">
-            <a:spAutoFit/>
-          </a:bodyPr>
-          <a:lstStyle/>
-          <a:p>
-            <a:r>
-              <a:rPr lang="en-US" sz="3500" kern="0" spc="-150" dirty="0">
-                <a:solidFill>
-                  <a:srgbClr val="3F5FFF"/>
-                </a:solidFill>
-                <a:latin typeface="HY헤드라인M" panose="02030600000101010101" pitchFamily="18" charset="-127"/>
-                <a:ea typeface="HY헤드라인M" panose="02030600000101010101" pitchFamily="18" charset="-127"/>
-                <a:cs typeface="S-Core Dream 5 Medium" pitchFamily="34" charset="0"/>
-              </a:rPr>
-              <a:t>04 </a:t>
-            </a:r>
-            <a:r>
-              <a:rPr lang="ko-KR" altLang="en-US" sz="3500" kern="0" spc="-150" dirty="0">
-                <a:solidFill>
-                  <a:srgbClr val="3F5FFF"/>
-                </a:solidFill>
-                <a:latin typeface="HY헤드라인M" panose="02030600000101010101" pitchFamily="18" charset="-127"/>
-                <a:ea typeface="HY헤드라인M" panose="02030600000101010101" pitchFamily="18" charset="-127"/>
-                <a:cs typeface="S-Core Dream 5 Medium" pitchFamily="34" charset="0"/>
-              </a:rPr>
-              <a:t>소스 설명 및 구현</a:t>
-            </a:r>
-            <a:endParaRPr lang="en-US" sz="3500" spc="-150" dirty="0">
-              <a:solidFill>
-                <a:srgbClr val="3F5FFF"/>
-              </a:solidFill>
-              <a:latin typeface="HY헤드라인M" panose="02030600000101010101" pitchFamily="18" charset="-127"/>
-              <a:ea typeface="HY헤드라인M" panose="02030600000101010101" pitchFamily="18" charset="-127"/>
-            </a:endParaRPr>
-          </a:p>
-        </p:txBody>
-      </p:sp>
-      <p:sp>
-        <p:nvSpPr>
-          <p:cNvPr id="26" name="Object 9">
-            <a:extLst>
-              <a:ext uri="{FF2B5EF4-FFF2-40B4-BE49-F238E27FC236}">
-                <a16:creationId xmlns:a16="http://schemas.microsoft.com/office/drawing/2014/main" id="{BFCBEDF2-6027-4649-961B-4A98BBF54C06}"/>
-              </a:ext>
-            </a:extLst>
-          </p:cNvPr>
-          <p:cNvSpPr txBox="1"/>
-          <p:nvPr/>
-        </p:nvSpPr>
-        <p:spPr>
-          <a:xfrm>
-            <a:off x="343779" y="6633499"/>
-            <a:ext cx="3130238" cy="507831"/>
-          </a:xfrm>
-          <a:prstGeom prst="rect">
-            <a:avLst/>
-          </a:prstGeom>
-          <a:noFill/>
-        </p:spPr>
-        <p:txBody>
-          <a:bodyPr wrap="square" rtlCol="0" anchor="t">
-            <a:spAutoFit/>
-          </a:bodyPr>
-          <a:lstStyle/>
-          <a:p>
-            <a:r>
-              <a:rPr lang="en-US" sz="2700" kern="0" spc="-150" dirty="0">
-                <a:solidFill>
-                  <a:srgbClr val="000000"/>
-                </a:solidFill>
-                <a:latin typeface="HY헤드라인M" panose="02030600000101010101" pitchFamily="18" charset="-127"/>
-                <a:ea typeface="HY헤드라인M" panose="02030600000101010101" pitchFamily="18" charset="-127"/>
-                <a:cs typeface="S-Core Dream 5 Medium" pitchFamily="34" charset="0"/>
-              </a:rPr>
-              <a:t>05 </a:t>
-            </a:r>
-            <a:r>
-              <a:rPr lang="ko-KR" altLang="en-US" sz="2700" kern="0" spc="-150" dirty="0">
-                <a:solidFill>
-                  <a:srgbClr val="000000"/>
-                </a:solidFill>
-                <a:latin typeface="HY헤드라인M" panose="02030600000101010101" pitchFamily="18" charset="-127"/>
-                <a:ea typeface="HY헤드라인M" panose="02030600000101010101" pitchFamily="18" charset="-127"/>
-                <a:cs typeface="S-Core Dream 5 Medium" pitchFamily="34" charset="0"/>
-              </a:rPr>
-              <a:t>보완점 및 후기</a:t>
-            </a:r>
-            <a:endParaRPr lang="en-US" spc="-150" dirty="0">
-              <a:latin typeface="HY헤드라인M" panose="02030600000101010101" pitchFamily="18" charset="-127"/>
-              <a:ea typeface="HY헤드라인M" panose="02030600000101010101" pitchFamily="18" charset="-127"/>
-            </a:endParaRPr>
-          </a:p>
-        </p:txBody>
-      </p:sp>
+      </p:pic>
     </p:spTree>
     <p:extLst>
       <p:ext uri="{BB962C8B-B14F-4D97-AF65-F5344CB8AC3E}">
@@ -8731,6 +8803,1072 @@
               <a:latin typeface="HY헤드라인M" panose="02030600000101010101" pitchFamily="18" charset="-127"/>
               <a:ea typeface="HY헤드라인M" panose="02030600000101010101" pitchFamily="18" charset="-127"/>
             </a:endParaRPr>
+          </a:p>
+        </p:txBody>
+      </p:sp>
+      <p:grpSp>
+        <p:nvGrpSpPr>
+          <p:cNvPr id="36" name="그룹 1002">
+            <a:extLst>
+              <a:ext uri="{FF2B5EF4-FFF2-40B4-BE49-F238E27FC236}">
+                <a16:creationId xmlns:a16="http://schemas.microsoft.com/office/drawing/2014/main" id="{F7EE64F4-C544-4E17-88F6-AA1A147D4EC3}"/>
+              </a:ext>
+            </a:extLst>
+          </p:cNvPr>
+          <p:cNvGrpSpPr/>
+          <p:nvPr/>
+        </p:nvGrpSpPr>
+        <p:grpSpPr>
+          <a:xfrm>
+            <a:off x="5852826" y="2920905"/>
+            <a:ext cx="4760599" cy="3073003"/>
+            <a:chOff x="7441323" y="2283366"/>
+            <a:chExt cx="4760599" cy="3073003"/>
+          </a:xfrm>
+        </p:grpSpPr>
+        <p:pic>
+          <p:nvPicPr>
+            <p:cNvPr id="37" name="Object 7">
+              <a:extLst>
+                <a:ext uri="{FF2B5EF4-FFF2-40B4-BE49-F238E27FC236}">
+                  <a16:creationId xmlns:a16="http://schemas.microsoft.com/office/drawing/2014/main" id="{34A3694B-A87E-4BE4-8008-C4677E06396B}"/>
+                </a:ext>
+              </a:extLst>
+            </p:cNvPr>
+            <p:cNvPicPr>
+              <a:picLocks noChangeAspect="1"/>
+            </p:cNvPicPr>
+            <p:nvPr/>
+          </p:nvPicPr>
+          <p:blipFill>
+            <a:blip r:embed="rId6" cstate="print"/>
+            <a:stretch>
+              <a:fillRect/>
+            </a:stretch>
+          </p:blipFill>
+          <p:spPr>
+            <a:xfrm>
+              <a:off x="7441323" y="2283366"/>
+              <a:ext cx="4760599" cy="3073003"/>
+            </a:xfrm>
+            <a:prstGeom prst="rect">
+              <a:avLst/>
+            </a:prstGeom>
+          </p:spPr>
+        </p:pic>
+      </p:grpSp>
+      <p:grpSp>
+        <p:nvGrpSpPr>
+          <p:cNvPr id="38" name="그룹 1003">
+            <a:extLst>
+              <a:ext uri="{FF2B5EF4-FFF2-40B4-BE49-F238E27FC236}">
+                <a16:creationId xmlns:a16="http://schemas.microsoft.com/office/drawing/2014/main" id="{FE175593-F370-4E3F-B6C9-2979B168AC7D}"/>
+              </a:ext>
+            </a:extLst>
+          </p:cNvPr>
+          <p:cNvGrpSpPr/>
+          <p:nvPr/>
+        </p:nvGrpSpPr>
+        <p:grpSpPr>
+          <a:xfrm>
+            <a:off x="6842487" y="2595455"/>
+            <a:ext cx="2781277" cy="650900"/>
+            <a:chOff x="8430984" y="1957916"/>
+            <a:chExt cx="2781277" cy="650900"/>
+          </a:xfrm>
+        </p:grpSpPr>
+        <p:pic>
+          <p:nvPicPr>
+            <p:cNvPr id="39" name="Object 10">
+              <a:extLst>
+                <a:ext uri="{FF2B5EF4-FFF2-40B4-BE49-F238E27FC236}">
+                  <a16:creationId xmlns:a16="http://schemas.microsoft.com/office/drawing/2014/main" id="{17EE65EB-6D4C-48F2-B516-306960323002}"/>
+                </a:ext>
+              </a:extLst>
+            </p:cNvPr>
+            <p:cNvPicPr>
+              <a:picLocks noChangeAspect="1"/>
+            </p:cNvPicPr>
+            <p:nvPr/>
+          </p:nvPicPr>
+          <p:blipFill>
+            <a:blip r:embed="rId7" cstate="print"/>
+            <a:stretch>
+              <a:fillRect/>
+            </a:stretch>
+          </p:blipFill>
+          <p:spPr>
+            <a:xfrm>
+              <a:off x="8430984" y="1957916"/>
+              <a:ext cx="2781277" cy="650900"/>
+            </a:xfrm>
+            <a:prstGeom prst="rect">
+              <a:avLst/>
+            </a:prstGeom>
+          </p:spPr>
+        </p:pic>
+      </p:grpSp>
+      <p:grpSp>
+        <p:nvGrpSpPr>
+          <p:cNvPr id="42" name="그룹 1005">
+            <a:extLst>
+              <a:ext uri="{FF2B5EF4-FFF2-40B4-BE49-F238E27FC236}">
+                <a16:creationId xmlns:a16="http://schemas.microsoft.com/office/drawing/2014/main" id="{E2DD0E04-0FAE-4FBD-8F0C-D129AF0CCC3C}"/>
+              </a:ext>
+            </a:extLst>
+          </p:cNvPr>
+          <p:cNvGrpSpPr/>
+          <p:nvPr/>
+        </p:nvGrpSpPr>
+        <p:grpSpPr>
+          <a:xfrm>
+            <a:off x="12039600" y="2918971"/>
+            <a:ext cx="4760599" cy="3073003"/>
+            <a:chOff x="12384180" y="2283366"/>
+            <a:chExt cx="4760599" cy="3073003"/>
+          </a:xfrm>
+        </p:grpSpPr>
+        <p:pic>
+          <p:nvPicPr>
+            <p:cNvPr id="43" name="Object 18">
+              <a:extLst>
+                <a:ext uri="{FF2B5EF4-FFF2-40B4-BE49-F238E27FC236}">
+                  <a16:creationId xmlns:a16="http://schemas.microsoft.com/office/drawing/2014/main" id="{A542ABF7-6CDB-49DA-BB60-30E1DE0DCE1E}"/>
+                </a:ext>
+              </a:extLst>
+            </p:cNvPr>
+            <p:cNvPicPr>
+              <a:picLocks noChangeAspect="1"/>
+            </p:cNvPicPr>
+            <p:nvPr/>
+          </p:nvPicPr>
+          <p:blipFill>
+            <a:blip r:embed="rId6" cstate="print"/>
+            <a:stretch>
+              <a:fillRect/>
+            </a:stretch>
+          </p:blipFill>
+          <p:spPr>
+            <a:xfrm>
+              <a:off x="12384180" y="2283366"/>
+              <a:ext cx="4760599" cy="3073003"/>
+            </a:xfrm>
+            <a:prstGeom prst="rect">
+              <a:avLst/>
+            </a:prstGeom>
+          </p:spPr>
+        </p:pic>
+      </p:grpSp>
+      <p:grpSp>
+        <p:nvGrpSpPr>
+          <p:cNvPr id="44" name="그룹 1006">
+            <a:extLst>
+              <a:ext uri="{FF2B5EF4-FFF2-40B4-BE49-F238E27FC236}">
+                <a16:creationId xmlns:a16="http://schemas.microsoft.com/office/drawing/2014/main" id="{D3F1E43D-4977-4DB4-9F68-57B4E227E884}"/>
+              </a:ext>
+            </a:extLst>
+          </p:cNvPr>
+          <p:cNvGrpSpPr/>
+          <p:nvPr/>
+        </p:nvGrpSpPr>
+        <p:grpSpPr>
+          <a:xfrm>
+            <a:off x="13029261" y="2593521"/>
+            <a:ext cx="2781277" cy="650900"/>
+            <a:chOff x="13373841" y="1957916"/>
+            <a:chExt cx="2781277" cy="650900"/>
+          </a:xfrm>
+        </p:grpSpPr>
+        <p:pic>
+          <p:nvPicPr>
+            <p:cNvPr id="45" name="Object 21">
+              <a:extLst>
+                <a:ext uri="{FF2B5EF4-FFF2-40B4-BE49-F238E27FC236}">
+                  <a16:creationId xmlns:a16="http://schemas.microsoft.com/office/drawing/2014/main" id="{24C0FE4F-598B-484B-B33A-AC97896F89CB}"/>
+                </a:ext>
+              </a:extLst>
+            </p:cNvPr>
+            <p:cNvPicPr>
+              <a:picLocks noChangeAspect="1"/>
+            </p:cNvPicPr>
+            <p:nvPr/>
+          </p:nvPicPr>
+          <p:blipFill>
+            <a:blip r:embed="rId8" cstate="print"/>
+            <a:stretch>
+              <a:fillRect/>
+            </a:stretch>
+          </p:blipFill>
+          <p:spPr>
+            <a:xfrm>
+              <a:off x="13373841" y="1957916"/>
+              <a:ext cx="2781277" cy="650900"/>
+            </a:xfrm>
+            <a:prstGeom prst="rect">
+              <a:avLst/>
+            </a:prstGeom>
+          </p:spPr>
+        </p:pic>
+      </p:grpSp>
+      <p:grpSp>
+        <p:nvGrpSpPr>
+          <p:cNvPr id="48" name="그룹 1007">
+            <a:extLst>
+              <a:ext uri="{FF2B5EF4-FFF2-40B4-BE49-F238E27FC236}">
+                <a16:creationId xmlns:a16="http://schemas.microsoft.com/office/drawing/2014/main" id="{E4445CDC-F50E-44BE-901E-3858EE217B6A}"/>
+              </a:ext>
+            </a:extLst>
+          </p:cNvPr>
+          <p:cNvGrpSpPr/>
+          <p:nvPr/>
+        </p:nvGrpSpPr>
+        <p:grpSpPr>
+          <a:xfrm>
+            <a:off x="5852826" y="6568150"/>
+            <a:ext cx="4760599" cy="3073003"/>
+            <a:chOff x="7441323" y="5950033"/>
+            <a:chExt cx="4760599" cy="3073003"/>
+          </a:xfrm>
+        </p:grpSpPr>
+        <p:pic>
+          <p:nvPicPr>
+            <p:cNvPr id="49" name="Object 26">
+              <a:extLst>
+                <a:ext uri="{FF2B5EF4-FFF2-40B4-BE49-F238E27FC236}">
+                  <a16:creationId xmlns:a16="http://schemas.microsoft.com/office/drawing/2014/main" id="{C69EFFA1-B3FD-482E-9FC4-24750C9B1AD2}"/>
+                </a:ext>
+              </a:extLst>
+            </p:cNvPr>
+            <p:cNvPicPr>
+              <a:picLocks noChangeAspect="1"/>
+            </p:cNvPicPr>
+            <p:nvPr/>
+          </p:nvPicPr>
+          <p:blipFill>
+            <a:blip r:embed="rId6" cstate="print"/>
+            <a:stretch>
+              <a:fillRect/>
+            </a:stretch>
+          </p:blipFill>
+          <p:spPr>
+            <a:xfrm>
+              <a:off x="7441323" y="5950033"/>
+              <a:ext cx="4760599" cy="3073003"/>
+            </a:xfrm>
+            <a:prstGeom prst="rect">
+              <a:avLst/>
+            </a:prstGeom>
+          </p:spPr>
+        </p:pic>
+      </p:grpSp>
+      <p:grpSp>
+        <p:nvGrpSpPr>
+          <p:cNvPr id="50" name="그룹 1008">
+            <a:extLst>
+              <a:ext uri="{FF2B5EF4-FFF2-40B4-BE49-F238E27FC236}">
+                <a16:creationId xmlns:a16="http://schemas.microsoft.com/office/drawing/2014/main" id="{59FC37BC-5216-47A7-ADF9-AC436714247E}"/>
+              </a:ext>
+            </a:extLst>
+          </p:cNvPr>
+          <p:cNvGrpSpPr/>
+          <p:nvPr/>
+        </p:nvGrpSpPr>
+        <p:grpSpPr>
+          <a:xfrm>
+            <a:off x="6842487" y="6242700"/>
+            <a:ext cx="2781277" cy="650900"/>
+            <a:chOff x="8430984" y="5624583"/>
+            <a:chExt cx="2781277" cy="650900"/>
+          </a:xfrm>
+        </p:grpSpPr>
+        <p:pic>
+          <p:nvPicPr>
+            <p:cNvPr id="51" name="Object 29">
+              <a:extLst>
+                <a:ext uri="{FF2B5EF4-FFF2-40B4-BE49-F238E27FC236}">
+                  <a16:creationId xmlns:a16="http://schemas.microsoft.com/office/drawing/2014/main" id="{0504AB5D-AB8A-411C-8D6B-3CCF542189AE}"/>
+                </a:ext>
+              </a:extLst>
+            </p:cNvPr>
+            <p:cNvPicPr>
+              <a:picLocks noChangeAspect="1"/>
+            </p:cNvPicPr>
+            <p:nvPr/>
+          </p:nvPicPr>
+          <p:blipFill>
+            <a:blip r:embed="rId8" cstate="print"/>
+            <a:stretch>
+              <a:fillRect/>
+            </a:stretch>
+          </p:blipFill>
+          <p:spPr>
+            <a:xfrm>
+              <a:off x="8430984" y="5624583"/>
+              <a:ext cx="2781277" cy="650900"/>
+            </a:xfrm>
+            <a:prstGeom prst="rect">
+              <a:avLst/>
+            </a:prstGeom>
+          </p:spPr>
+        </p:pic>
+      </p:grpSp>
+      <p:grpSp>
+        <p:nvGrpSpPr>
+          <p:cNvPr id="54" name="그룹 1009">
+            <a:extLst>
+              <a:ext uri="{FF2B5EF4-FFF2-40B4-BE49-F238E27FC236}">
+                <a16:creationId xmlns:a16="http://schemas.microsoft.com/office/drawing/2014/main" id="{50A51276-16BD-441B-A076-06B95FC4BE1B}"/>
+              </a:ext>
+            </a:extLst>
+          </p:cNvPr>
+          <p:cNvGrpSpPr/>
+          <p:nvPr/>
+        </p:nvGrpSpPr>
+        <p:grpSpPr>
+          <a:xfrm>
+            <a:off x="12039600" y="6574343"/>
+            <a:ext cx="4760599" cy="3073003"/>
+            <a:chOff x="12384180" y="5950033"/>
+            <a:chExt cx="4760599" cy="3073003"/>
+          </a:xfrm>
+        </p:grpSpPr>
+        <p:pic>
+          <p:nvPicPr>
+            <p:cNvPr id="55" name="Object 34">
+              <a:extLst>
+                <a:ext uri="{FF2B5EF4-FFF2-40B4-BE49-F238E27FC236}">
+                  <a16:creationId xmlns:a16="http://schemas.microsoft.com/office/drawing/2014/main" id="{BA6C2DF1-4D18-4386-89E1-305A46807385}"/>
+                </a:ext>
+              </a:extLst>
+            </p:cNvPr>
+            <p:cNvPicPr>
+              <a:picLocks noChangeAspect="1"/>
+            </p:cNvPicPr>
+            <p:nvPr/>
+          </p:nvPicPr>
+          <p:blipFill>
+            <a:blip r:embed="rId6" cstate="print"/>
+            <a:stretch>
+              <a:fillRect/>
+            </a:stretch>
+          </p:blipFill>
+          <p:spPr>
+            <a:xfrm>
+              <a:off x="12384180" y="5950033"/>
+              <a:ext cx="4760599" cy="3073003"/>
+            </a:xfrm>
+            <a:prstGeom prst="rect">
+              <a:avLst/>
+            </a:prstGeom>
+          </p:spPr>
+        </p:pic>
+      </p:grpSp>
+      <p:grpSp>
+        <p:nvGrpSpPr>
+          <p:cNvPr id="56" name="그룹 1010">
+            <a:extLst>
+              <a:ext uri="{FF2B5EF4-FFF2-40B4-BE49-F238E27FC236}">
+                <a16:creationId xmlns:a16="http://schemas.microsoft.com/office/drawing/2014/main" id="{5FFCE8B8-B458-4BC0-A489-5800B95B2FBA}"/>
+              </a:ext>
+            </a:extLst>
+          </p:cNvPr>
+          <p:cNvGrpSpPr/>
+          <p:nvPr/>
+        </p:nvGrpSpPr>
+        <p:grpSpPr>
+          <a:xfrm>
+            <a:off x="13029261" y="6248893"/>
+            <a:ext cx="2781277" cy="650900"/>
+            <a:chOff x="13373841" y="5624583"/>
+            <a:chExt cx="2781277" cy="650900"/>
+          </a:xfrm>
+        </p:grpSpPr>
+        <p:pic>
+          <p:nvPicPr>
+            <p:cNvPr id="57" name="Object 37">
+              <a:extLst>
+                <a:ext uri="{FF2B5EF4-FFF2-40B4-BE49-F238E27FC236}">
+                  <a16:creationId xmlns:a16="http://schemas.microsoft.com/office/drawing/2014/main" id="{57890377-F4DB-4A1E-982B-D4AC16075C18}"/>
+                </a:ext>
+              </a:extLst>
+            </p:cNvPr>
+            <p:cNvPicPr>
+              <a:picLocks noChangeAspect="1"/>
+            </p:cNvPicPr>
+            <p:nvPr/>
+          </p:nvPicPr>
+          <p:blipFill>
+            <a:blip r:embed="rId7" cstate="print"/>
+            <a:stretch>
+              <a:fillRect/>
+            </a:stretch>
+          </p:blipFill>
+          <p:spPr>
+            <a:xfrm>
+              <a:off x="13373841" y="5624583"/>
+              <a:ext cx="2781277" cy="650900"/>
+            </a:xfrm>
+            <a:prstGeom prst="rect">
+              <a:avLst/>
+            </a:prstGeom>
+          </p:spPr>
+        </p:pic>
+      </p:grpSp>
+      <p:sp>
+        <p:nvSpPr>
+          <p:cNvPr id="11" name="TextBox 10">
+            <a:extLst>
+              <a:ext uri="{FF2B5EF4-FFF2-40B4-BE49-F238E27FC236}">
+                <a16:creationId xmlns:a16="http://schemas.microsoft.com/office/drawing/2014/main" id="{E6EA0D9A-699A-429F-A7D3-8D64735B9F51}"/>
+              </a:ext>
+            </a:extLst>
+          </p:cNvPr>
+          <p:cNvSpPr txBox="1"/>
+          <p:nvPr/>
+        </p:nvSpPr>
+        <p:spPr>
+          <a:xfrm>
+            <a:off x="5852826" y="3523325"/>
+            <a:ext cx="4760599" cy="2031325"/>
+          </a:xfrm>
+          <a:prstGeom prst="rect">
+            <a:avLst/>
+          </a:prstGeom>
+          <a:noFill/>
+        </p:spPr>
+        <p:txBody>
+          <a:bodyPr wrap="square" rtlCol="0" anchor="t">
+            <a:spAutoFit/>
+          </a:bodyPr>
+          <a:lstStyle/>
+          <a:p>
+            <a:pPr>
+              <a:lnSpc>
+                <a:spcPct val="150000"/>
+              </a:lnSpc>
+            </a:pPr>
+            <a:r>
+              <a:rPr lang="ko-KR" altLang="en-US" sz="1800" b="1" dirty="0">
+                <a:latin typeface="새굴림" panose="02030600000101010101" pitchFamily="18" charset="-127"/>
+                <a:ea typeface="새굴림" panose="02030600000101010101" pitchFamily="18" charset="-127"/>
+              </a:rPr>
+              <a:t>소스에서 이전 화면으로 돌아가는 기능을 만</a:t>
+            </a:r>
+            <a:endParaRPr lang="en-US" altLang="ko-KR" sz="1800" b="1" dirty="0">
+              <a:latin typeface="새굴림" panose="02030600000101010101" pitchFamily="18" charset="-127"/>
+              <a:ea typeface="새굴림" panose="02030600000101010101" pitchFamily="18" charset="-127"/>
+            </a:endParaRPr>
+          </a:p>
+          <a:p>
+            <a:pPr>
+              <a:lnSpc>
+                <a:spcPct val="150000"/>
+              </a:lnSpc>
+            </a:pPr>
+            <a:r>
+              <a:rPr lang="ko-KR" altLang="en-US" sz="1800" b="1" dirty="0">
+                <a:latin typeface="새굴림" panose="02030600000101010101" pitchFamily="18" charset="-127"/>
+                <a:ea typeface="새굴림" panose="02030600000101010101" pitchFamily="18" charset="-127"/>
+              </a:rPr>
+              <a:t>들어 적용해 보고자 했으나 잘 안되었습니다</a:t>
+            </a:r>
+            <a:r>
+              <a:rPr lang="en-US" altLang="ko-KR" sz="1800" b="1" dirty="0">
+                <a:latin typeface="새굴림" panose="02030600000101010101" pitchFamily="18" charset="-127"/>
+                <a:ea typeface="새굴림" panose="02030600000101010101" pitchFamily="18" charset="-127"/>
+              </a:rPr>
+              <a:t>.</a:t>
+            </a:r>
+          </a:p>
+          <a:p>
+            <a:pPr>
+              <a:lnSpc>
+                <a:spcPct val="150000"/>
+              </a:lnSpc>
+            </a:pPr>
+            <a:r>
+              <a:rPr lang="ko-KR" altLang="en-US" sz="1800" b="1" dirty="0">
+                <a:latin typeface="새굴림" panose="02030600000101010101" pitchFamily="18" charset="-127"/>
+                <a:ea typeface="새굴림" panose="02030600000101010101" pitchFamily="18" charset="-127"/>
+              </a:rPr>
+              <a:t>다음 프로젝트에서는  여러 가지 기능을 활용해 보고자 합니다</a:t>
+            </a:r>
+            <a:r>
+              <a:rPr lang="en-US" altLang="ko-KR" sz="1800" b="1" dirty="0">
+                <a:latin typeface="새굴림" panose="02030600000101010101" pitchFamily="18" charset="-127"/>
+                <a:ea typeface="새굴림" panose="02030600000101010101" pitchFamily="18" charset="-127"/>
+              </a:rPr>
+              <a:t>.</a:t>
+            </a:r>
+            <a:endParaRPr lang="ko-KR" altLang="en-US" sz="1800" b="1" dirty="0">
+              <a:latin typeface="새굴림" panose="02030600000101010101" pitchFamily="18" charset="-127"/>
+              <a:ea typeface="새굴림" panose="02030600000101010101" pitchFamily="18" charset="-127"/>
+            </a:endParaRPr>
+          </a:p>
+          <a:p>
+            <a:endParaRPr lang="ko-KR" altLang="en-US" dirty="0"/>
+          </a:p>
+        </p:txBody>
+      </p:sp>
+      <p:sp>
+        <p:nvSpPr>
+          <p:cNvPr id="60" name="TextBox 59">
+            <a:extLst>
+              <a:ext uri="{FF2B5EF4-FFF2-40B4-BE49-F238E27FC236}">
+                <a16:creationId xmlns:a16="http://schemas.microsoft.com/office/drawing/2014/main" id="{B66D3E71-722C-42AC-8210-12B8F61892A7}"/>
+              </a:ext>
+            </a:extLst>
+          </p:cNvPr>
+          <p:cNvSpPr txBox="1"/>
+          <p:nvPr/>
+        </p:nvSpPr>
+        <p:spPr>
+          <a:xfrm>
+            <a:off x="12028714" y="3515813"/>
+            <a:ext cx="4760599" cy="2105192"/>
+          </a:xfrm>
+          <a:prstGeom prst="rect">
+            <a:avLst/>
+          </a:prstGeom>
+          <a:noFill/>
+        </p:spPr>
+        <p:txBody>
+          <a:bodyPr wrap="square">
+            <a:spAutoFit/>
+          </a:bodyPr>
+          <a:lstStyle/>
+          <a:p>
+            <a:pPr>
+              <a:lnSpc>
+                <a:spcPct val="150000"/>
+              </a:lnSpc>
+            </a:pPr>
+            <a:r>
+              <a:rPr lang="ko-KR" altLang="en-US" sz="1800" b="1" dirty="0">
+                <a:latin typeface="새굴림" panose="02030600000101010101" pitchFamily="18" charset="-127"/>
+                <a:ea typeface="새굴림" panose="02030600000101010101" pitchFamily="18" charset="-127"/>
+              </a:rPr>
+              <a:t>직접 만들어본 프로그램은 아니였지만</a:t>
+            </a:r>
+            <a:r>
+              <a:rPr lang="en-US" altLang="ko-KR" sz="1800" b="1" dirty="0">
+                <a:latin typeface="새굴림" panose="02030600000101010101" pitchFamily="18" charset="-127"/>
+                <a:ea typeface="새굴림" panose="02030600000101010101" pitchFamily="18" charset="-127"/>
+              </a:rPr>
+              <a:t>, </a:t>
+            </a:r>
+            <a:r>
+              <a:rPr lang="ko-KR" altLang="en-US" sz="1800" b="1" dirty="0">
+                <a:latin typeface="새굴림" panose="02030600000101010101" pitchFamily="18" charset="-127"/>
+                <a:ea typeface="새굴림" panose="02030600000101010101" pitchFamily="18" charset="-127"/>
+              </a:rPr>
+              <a:t>공</a:t>
+            </a:r>
+            <a:endParaRPr lang="en-US" altLang="ko-KR" sz="1800" b="1" dirty="0">
+              <a:latin typeface="새굴림" panose="02030600000101010101" pitchFamily="18" charset="-127"/>
+              <a:ea typeface="새굴림" panose="02030600000101010101" pitchFamily="18" charset="-127"/>
+            </a:endParaRPr>
+          </a:p>
+          <a:p>
+            <a:pPr>
+              <a:lnSpc>
+                <a:spcPct val="150000"/>
+              </a:lnSpc>
+            </a:pPr>
+            <a:r>
+              <a:rPr lang="ko-KR" altLang="en-US" sz="1800" b="1" dirty="0">
+                <a:latin typeface="새굴림" panose="02030600000101010101" pitchFamily="18" charset="-127"/>
+                <a:ea typeface="새굴림" panose="02030600000101010101" pitchFamily="18" charset="-127"/>
+              </a:rPr>
+              <a:t>부하면서 프로그램의 구성을 확인할 수 </a:t>
+            </a:r>
+            <a:r>
+              <a:rPr lang="ko-KR" altLang="en-US" sz="1800" b="1" dirty="0" err="1">
+                <a:latin typeface="새굴림" panose="02030600000101010101" pitchFamily="18" charset="-127"/>
+                <a:ea typeface="새굴림" panose="02030600000101010101" pitchFamily="18" charset="-127"/>
+              </a:rPr>
+              <a:t>있</a:t>
+            </a:r>
+            <a:endParaRPr lang="en-US" altLang="ko-KR" sz="1800" b="1" dirty="0">
+              <a:latin typeface="새굴림" panose="02030600000101010101" pitchFamily="18" charset="-127"/>
+              <a:ea typeface="새굴림" panose="02030600000101010101" pitchFamily="18" charset="-127"/>
+            </a:endParaRPr>
+          </a:p>
+          <a:p>
+            <a:pPr>
+              <a:lnSpc>
+                <a:spcPct val="150000"/>
+              </a:lnSpc>
+            </a:pPr>
+            <a:r>
+              <a:rPr lang="ko-KR" altLang="en-US" sz="1800" b="1" dirty="0" err="1">
+                <a:latin typeface="새굴림" panose="02030600000101010101" pitchFamily="18" charset="-127"/>
+                <a:ea typeface="새굴림" panose="02030600000101010101" pitchFamily="18" charset="-127"/>
+              </a:rPr>
+              <a:t>었던</a:t>
+            </a:r>
+            <a:r>
+              <a:rPr lang="ko-KR" altLang="en-US" sz="1800" b="1" dirty="0">
+                <a:latin typeface="새굴림" panose="02030600000101010101" pitchFamily="18" charset="-127"/>
+                <a:ea typeface="새굴림" panose="02030600000101010101" pitchFamily="18" charset="-127"/>
+              </a:rPr>
+              <a:t> 시간이었습니다</a:t>
+            </a:r>
+            <a:r>
+              <a:rPr lang="en-US" altLang="ko-KR" sz="1800" b="1" dirty="0">
+                <a:latin typeface="새굴림" panose="02030600000101010101" pitchFamily="18" charset="-127"/>
+                <a:ea typeface="새굴림" panose="02030600000101010101" pitchFamily="18" charset="-127"/>
+              </a:rPr>
+              <a:t>. </a:t>
+            </a:r>
+            <a:r>
+              <a:rPr lang="ko-KR" altLang="en-US" sz="1800" b="1" dirty="0">
+                <a:latin typeface="새굴림" panose="02030600000101010101" pitchFamily="18" charset="-127"/>
+                <a:ea typeface="새굴림" panose="02030600000101010101" pitchFamily="18" charset="-127"/>
+              </a:rPr>
+              <a:t>조원들과 협업을 통해 향후 프로젝트를 어떻게 진행할지 알게 되었</a:t>
+            </a:r>
+            <a:endParaRPr lang="en-US" altLang="ko-KR" sz="1800" b="1" dirty="0">
+              <a:latin typeface="새굴림" panose="02030600000101010101" pitchFamily="18" charset="-127"/>
+              <a:ea typeface="새굴림" panose="02030600000101010101" pitchFamily="18" charset="-127"/>
+            </a:endParaRPr>
+          </a:p>
+          <a:p>
+            <a:pPr>
+              <a:lnSpc>
+                <a:spcPct val="150000"/>
+              </a:lnSpc>
+            </a:pPr>
+            <a:r>
+              <a:rPr lang="ko-KR" altLang="en-US" sz="1800" b="1" dirty="0">
+                <a:latin typeface="새굴림" panose="02030600000101010101" pitchFamily="18" charset="-127"/>
+                <a:ea typeface="새굴림" panose="02030600000101010101" pitchFamily="18" charset="-127"/>
+              </a:rPr>
+              <a:t>습니다</a:t>
+            </a:r>
+            <a:r>
+              <a:rPr lang="en-US" altLang="ko-KR" sz="1800" b="1" dirty="0">
+                <a:latin typeface="새굴림" panose="02030600000101010101" pitchFamily="18" charset="-127"/>
+                <a:ea typeface="새굴림" panose="02030600000101010101" pitchFamily="18" charset="-127"/>
+              </a:rPr>
+              <a:t>.</a:t>
+            </a:r>
+            <a:endParaRPr lang="ko-KR" altLang="en-US" sz="1800" b="1" dirty="0">
+              <a:latin typeface="새굴림" panose="02030600000101010101" pitchFamily="18" charset="-127"/>
+              <a:ea typeface="새굴림" panose="02030600000101010101" pitchFamily="18" charset="-127"/>
+            </a:endParaRPr>
+          </a:p>
+        </p:txBody>
+      </p:sp>
+      <p:sp>
+        <p:nvSpPr>
+          <p:cNvPr id="61" name="TextBox 60">
+            <a:extLst>
+              <a:ext uri="{FF2B5EF4-FFF2-40B4-BE49-F238E27FC236}">
+                <a16:creationId xmlns:a16="http://schemas.microsoft.com/office/drawing/2014/main" id="{544DAE0F-E5CB-4105-85FC-B4F4C1F5BED8}"/>
+              </a:ext>
+            </a:extLst>
+          </p:cNvPr>
+          <p:cNvSpPr txBox="1"/>
+          <p:nvPr/>
+        </p:nvSpPr>
+        <p:spPr>
+          <a:xfrm>
+            <a:off x="5888213" y="7259804"/>
+            <a:ext cx="4738187" cy="1689693"/>
+          </a:xfrm>
+          <a:prstGeom prst="rect">
+            <a:avLst/>
+          </a:prstGeom>
+          <a:noFill/>
+        </p:spPr>
+        <p:txBody>
+          <a:bodyPr wrap="square">
+            <a:spAutoFit/>
+          </a:bodyPr>
+          <a:lstStyle/>
+          <a:p>
+            <a:pPr marL="0" marR="0" indent="0" algn="l" fontAlgn="base" latinLnBrk="0">
+              <a:lnSpc>
+                <a:spcPct val="150000"/>
+              </a:lnSpc>
+              <a:spcBef>
+                <a:spcPts val="0"/>
+              </a:spcBef>
+              <a:spcAft>
+                <a:spcPts val="0"/>
+              </a:spcAft>
+            </a:pPr>
+            <a:r>
+              <a:rPr lang="ko-KR" altLang="en-US" sz="1800" b="1" kern="100" spc="0" dirty="0">
+                <a:solidFill>
+                  <a:srgbClr val="000000"/>
+                </a:solidFill>
+                <a:effectLst/>
+                <a:latin typeface="새굴림" panose="02030600000101010101" pitchFamily="18" charset="-127"/>
+                <a:ea typeface="새굴림" panose="02030600000101010101" pitchFamily="18" charset="-127"/>
+              </a:rPr>
+              <a:t>처음해보는 프로젝트이고 서툰 점이 있기에 할 수 있는 것이 많지 않았던 것 같습니다</a:t>
+            </a:r>
+            <a:r>
+              <a:rPr lang="en-US" altLang="ko-KR" sz="1800" b="1" kern="100" spc="0" dirty="0">
+                <a:solidFill>
+                  <a:srgbClr val="000000"/>
+                </a:solidFill>
+                <a:effectLst/>
+                <a:latin typeface="새굴림" panose="02030600000101010101" pitchFamily="18" charset="-127"/>
+                <a:ea typeface="새굴림" panose="02030600000101010101" pitchFamily="18" charset="-127"/>
+              </a:rPr>
+              <a:t>. </a:t>
+            </a:r>
+            <a:endParaRPr lang="ko-KR" altLang="en-US" sz="1800" b="1" kern="0" spc="0" dirty="0">
+              <a:solidFill>
+                <a:srgbClr val="000000"/>
+              </a:solidFill>
+              <a:effectLst/>
+              <a:latin typeface="새굴림" panose="02030600000101010101" pitchFamily="18" charset="-127"/>
+              <a:ea typeface="새굴림" panose="02030600000101010101" pitchFamily="18" charset="-127"/>
+            </a:endParaRPr>
+          </a:p>
+          <a:p>
+            <a:pPr marL="0" marR="0" indent="0" algn="l" fontAlgn="base" latinLnBrk="0">
+              <a:lnSpc>
+                <a:spcPct val="150000"/>
+              </a:lnSpc>
+              <a:spcBef>
+                <a:spcPts val="0"/>
+              </a:spcBef>
+              <a:spcAft>
+                <a:spcPts val="0"/>
+              </a:spcAft>
+            </a:pPr>
+            <a:r>
+              <a:rPr lang="ko-KR" altLang="en-US" sz="1800" b="1" kern="100" spc="0" dirty="0">
+                <a:solidFill>
+                  <a:srgbClr val="000000"/>
+                </a:solidFill>
+                <a:effectLst/>
+                <a:latin typeface="새굴림" panose="02030600000101010101" pitchFamily="18" charset="-127"/>
+                <a:ea typeface="새굴림" panose="02030600000101010101" pitchFamily="18" charset="-127"/>
+              </a:rPr>
+              <a:t>프로젝트가 어떻게 진행되는지 경험해 볼 수 있어서 의미 있었습니다</a:t>
+            </a:r>
+            <a:r>
+              <a:rPr lang="en-US" altLang="ko-KR" sz="1800" b="1" kern="100" spc="0" dirty="0">
+                <a:solidFill>
+                  <a:srgbClr val="000000"/>
+                </a:solidFill>
+                <a:effectLst/>
+                <a:latin typeface="새굴림" panose="02030600000101010101" pitchFamily="18" charset="-127"/>
+                <a:ea typeface="새굴림" panose="02030600000101010101" pitchFamily="18" charset="-127"/>
+              </a:rPr>
+              <a:t>.</a:t>
+            </a:r>
+            <a:endParaRPr lang="ko-KR" altLang="en-US" sz="1800" b="1" kern="0" spc="0" dirty="0">
+              <a:solidFill>
+                <a:srgbClr val="000000"/>
+              </a:solidFill>
+              <a:effectLst/>
+              <a:latin typeface="새굴림" panose="02030600000101010101" pitchFamily="18" charset="-127"/>
+              <a:ea typeface="새굴림" panose="02030600000101010101" pitchFamily="18" charset="-127"/>
+            </a:endParaRPr>
+          </a:p>
+        </p:txBody>
+      </p:sp>
+      <p:sp>
+        <p:nvSpPr>
+          <p:cNvPr id="62" name="TextBox 61">
+            <a:extLst>
+              <a:ext uri="{FF2B5EF4-FFF2-40B4-BE49-F238E27FC236}">
+                <a16:creationId xmlns:a16="http://schemas.microsoft.com/office/drawing/2014/main" id="{C17F711E-5771-450F-B30D-25D740BF0E4D}"/>
+              </a:ext>
+            </a:extLst>
+          </p:cNvPr>
+          <p:cNvSpPr txBox="1"/>
+          <p:nvPr/>
+        </p:nvSpPr>
+        <p:spPr>
+          <a:xfrm>
+            <a:off x="12052575" y="7156712"/>
+            <a:ext cx="4661175" cy="2105192"/>
+          </a:xfrm>
+          <a:prstGeom prst="rect">
+            <a:avLst/>
+          </a:prstGeom>
+          <a:noFill/>
+        </p:spPr>
+        <p:txBody>
+          <a:bodyPr wrap="square">
+            <a:spAutoFit/>
+          </a:bodyPr>
+          <a:lstStyle/>
+          <a:p>
+            <a:pPr marL="0" marR="0" indent="0" algn="l" fontAlgn="base" latinLnBrk="0">
+              <a:lnSpc>
+                <a:spcPct val="150000"/>
+              </a:lnSpc>
+              <a:spcBef>
+                <a:spcPts val="0"/>
+              </a:spcBef>
+              <a:spcAft>
+                <a:spcPts val="0"/>
+              </a:spcAft>
+            </a:pPr>
+            <a:r>
+              <a:rPr lang="ko-KR" altLang="en-US" sz="1800" b="1" kern="100" spc="0" dirty="0">
+                <a:solidFill>
+                  <a:srgbClr val="000000"/>
+                </a:solidFill>
+                <a:effectLst/>
+                <a:latin typeface="새굴림" panose="02030600000101010101" pitchFamily="18" charset="-127"/>
+                <a:ea typeface="새굴림" panose="02030600000101010101" pitchFamily="18" charset="-127"/>
+              </a:rPr>
+              <a:t>프로그램의 각각의 구성요소에 대한 이해는 어느 정도 가능했으나</a:t>
+            </a:r>
+            <a:r>
+              <a:rPr lang="en-US" altLang="ko-KR" sz="1800" b="1" kern="100" spc="0" dirty="0">
+                <a:solidFill>
+                  <a:srgbClr val="000000"/>
+                </a:solidFill>
+                <a:effectLst/>
+                <a:latin typeface="새굴림" panose="02030600000101010101" pitchFamily="18" charset="-127"/>
+                <a:ea typeface="새굴림" panose="02030600000101010101" pitchFamily="18" charset="-127"/>
+              </a:rPr>
+              <a:t>, </a:t>
+            </a:r>
+            <a:r>
+              <a:rPr lang="ko-KR" altLang="en-US" sz="1800" b="1" kern="100" spc="0" dirty="0">
+                <a:solidFill>
+                  <a:srgbClr val="000000"/>
+                </a:solidFill>
+                <a:effectLst/>
+                <a:latin typeface="새굴림" panose="02030600000101010101" pitchFamily="18" charset="-127"/>
+                <a:ea typeface="새굴림" panose="02030600000101010101" pitchFamily="18" charset="-127"/>
+              </a:rPr>
+              <a:t>전체적인 프로그램 구성에 대해 이해하고 응용 또는 수정하는 것</a:t>
+            </a:r>
+            <a:endParaRPr lang="en-US" altLang="ko-KR" sz="1800" b="1" kern="100" spc="0" dirty="0">
+              <a:solidFill>
+                <a:srgbClr val="000000"/>
+              </a:solidFill>
+              <a:effectLst/>
+              <a:latin typeface="새굴림" panose="02030600000101010101" pitchFamily="18" charset="-127"/>
+              <a:ea typeface="새굴림" panose="02030600000101010101" pitchFamily="18" charset="-127"/>
+            </a:endParaRPr>
+          </a:p>
+          <a:p>
+            <a:pPr marL="0" marR="0" indent="0" algn="l" fontAlgn="base" latinLnBrk="0">
+              <a:lnSpc>
+                <a:spcPct val="150000"/>
+              </a:lnSpc>
+              <a:spcBef>
+                <a:spcPts val="0"/>
+              </a:spcBef>
+              <a:spcAft>
+                <a:spcPts val="0"/>
+              </a:spcAft>
+            </a:pPr>
+            <a:r>
+              <a:rPr lang="ko-KR" altLang="en-US" sz="1800" b="1" kern="100" spc="0" dirty="0">
+                <a:solidFill>
+                  <a:srgbClr val="000000"/>
+                </a:solidFill>
+                <a:effectLst/>
+                <a:latin typeface="새굴림" panose="02030600000101010101" pitchFamily="18" charset="-127"/>
+                <a:ea typeface="새굴림" panose="02030600000101010101" pitchFamily="18" charset="-127"/>
+              </a:rPr>
+              <a:t>에 대해 능력이 부족하다는 것을 알게 되는 기회였습니다</a:t>
+            </a:r>
+            <a:r>
+              <a:rPr lang="en-US" altLang="ko-KR" sz="1800" b="1" kern="100" spc="0" dirty="0">
+                <a:solidFill>
+                  <a:srgbClr val="000000"/>
+                </a:solidFill>
+                <a:effectLst/>
+                <a:latin typeface="새굴림" panose="02030600000101010101" pitchFamily="18" charset="-127"/>
+                <a:ea typeface="새굴림" panose="02030600000101010101" pitchFamily="18" charset="-127"/>
+              </a:rPr>
+              <a:t>.</a:t>
+            </a:r>
+            <a:endParaRPr lang="ko-KR" altLang="en-US" sz="1800" b="1" kern="0" spc="0" dirty="0">
+              <a:solidFill>
+                <a:srgbClr val="000000"/>
+              </a:solidFill>
+              <a:effectLst/>
+              <a:latin typeface="새굴림" panose="02030600000101010101" pitchFamily="18" charset="-127"/>
+              <a:ea typeface="새굴림" panose="02030600000101010101" pitchFamily="18" charset="-127"/>
+            </a:endParaRPr>
+          </a:p>
+        </p:txBody>
+      </p:sp>
+      <p:sp>
+        <p:nvSpPr>
+          <p:cNvPr id="17" name="TextBox 16">
+            <a:extLst>
+              <a:ext uri="{FF2B5EF4-FFF2-40B4-BE49-F238E27FC236}">
+                <a16:creationId xmlns:a16="http://schemas.microsoft.com/office/drawing/2014/main" id="{44FB87EF-D394-433D-B01F-3988E1230826}"/>
+              </a:ext>
+            </a:extLst>
+          </p:cNvPr>
+          <p:cNvSpPr txBox="1"/>
+          <p:nvPr/>
+        </p:nvSpPr>
+        <p:spPr>
+          <a:xfrm>
+            <a:off x="7494782" y="2655794"/>
+            <a:ext cx="1476686" cy="523220"/>
+          </a:xfrm>
+          <a:prstGeom prst="rect">
+            <a:avLst/>
+          </a:prstGeom>
+          <a:noFill/>
+        </p:spPr>
+        <p:txBody>
+          <a:bodyPr wrap="none" rtlCol="0">
+            <a:spAutoFit/>
+          </a:bodyPr>
+          <a:lstStyle/>
+          <a:p>
+            <a:r>
+              <a:rPr lang="ko-KR" altLang="en-US" sz="2800" b="1" dirty="0">
+                <a:solidFill>
+                  <a:schemeClr val="bg1"/>
+                </a:solidFill>
+                <a:latin typeface="HY헤드라인M" panose="02030600000101010101" pitchFamily="18" charset="-127"/>
+                <a:ea typeface="HY헤드라인M" panose="02030600000101010101" pitchFamily="18" charset="-127"/>
+              </a:rPr>
+              <a:t>이 기 웅</a:t>
+            </a:r>
+          </a:p>
+        </p:txBody>
+      </p:sp>
+      <p:sp>
+        <p:nvSpPr>
+          <p:cNvPr id="65" name="TextBox 64">
+            <a:extLst>
+              <a:ext uri="{FF2B5EF4-FFF2-40B4-BE49-F238E27FC236}">
+                <a16:creationId xmlns:a16="http://schemas.microsoft.com/office/drawing/2014/main" id="{182D286D-DAB6-45C7-B7BB-C73B23A1443F}"/>
+              </a:ext>
+            </a:extLst>
+          </p:cNvPr>
+          <p:cNvSpPr txBox="1"/>
+          <p:nvPr/>
+        </p:nvSpPr>
+        <p:spPr>
+          <a:xfrm>
+            <a:off x="13681556" y="2625801"/>
+            <a:ext cx="1476686" cy="523220"/>
+          </a:xfrm>
+          <a:prstGeom prst="rect">
+            <a:avLst/>
+          </a:prstGeom>
+          <a:noFill/>
+        </p:spPr>
+        <p:txBody>
+          <a:bodyPr wrap="none" rtlCol="0">
+            <a:spAutoFit/>
+          </a:bodyPr>
+          <a:lstStyle/>
+          <a:p>
+            <a:r>
+              <a:rPr lang="ko-KR" altLang="en-US" sz="2800" b="1">
+                <a:solidFill>
+                  <a:schemeClr val="bg1"/>
+                </a:solidFill>
+                <a:latin typeface="HY헤드라인M" panose="02030600000101010101" pitchFamily="18" charset="-127"/>
+                <a:ea typeface="HY헤드라인M" panose="02030600000101010101" pitchFamily="18" charset="-127"/>
+              </a:rPr>
+              <a:t>박 현 서</a:t>
+            </a:r>
+            <a:endParaRPr lang="ko-KR" altLang="en-US" sz="2800" b="1" dirty="0">
+              <a:solidFill>
+                <a:schemeClr val="bg1"/>
+              </a:solidFill>
+              <a:latin typeface="HY헤드라인M" panose="02030600000101010101" pitchFamily="18" charset="-127"/>
+              <a:ea typeface="HY헤드라인M" panose="02030600000101010101" pitchFamily="18" charset="-127"/>
+            </a:endParaRPr>
+          </a:p>
+        </p:txBody>
+      </p:sp>
+      <p:sp>
+        <p:nvSpPr>
+          <p:cNvPr id="66" name="TextBox 65">
+            <a:extLst>
+              <a:ext uri="{FF2B5EF4-FFF2-40B4-BE49-F238E27FC236}">
+                <a16:creationId xmlns:a16="http://schemas.microsoft.com/office/drawing/2014/main" id="{51B2D244-6787-460B-A1D9-374EBBBC8E23}"/>
+              </a:ext>
+            </a:extLst>
+          </p:cNvPr>
+          <p:cNvSpPr txBox="1"/>
+          <p:nvPr/>
+        </p:nvSpPr>
+        <p:spPr>
+          <a:xfrm>
+            <a:off x="7494782" y="6305162"/>
+            <a:ext cx="1476686" cy="523220"/>
+          </a:xfrm>
+          <a:prstGeom prst="rect">
+            <a:avLst/>
+          </a:prstGeom>
+          <a:noFill/>
+        </p:spPr>
+        <p:txBody>
+          <a:bodyPr wrap="none" rtlCol="0">
+            <a:spAutoFit/>
+          </a:bodyPr>
+          <a:lstStyle/>
+          <a:p>
+            <a:r>
+              <a:rPr lang="ko-KR" altLang="en-US" sz="2800" b="1" dirty="0">
+                <a:solidFill>
+                  <a:schemeClr val="bg1"/>
+                </a:solidFill>
+                <a:latin typeface="HY헤드라인M" panose="02030600000101010101" pitchFamily="18" charset="-127"/>
+                <a:ea typeface="HY헤드라인M" panose="02030600000101010101" pitchFamily="18" charset="-127"/>
+              </a:rPr>
+              <a:t>김 혜 영</a:t>
+            </a:r>
+          </a:p>
+        </p:txBody>
+      </p:sp>
+      <p:sp>
+        <p:nvSpPr>
+          <p:cNvPr id="67" name="TextBox 66">
+            <a:extLst>
+              <a:ext uri="{FF2B5EF4-FFF2-40B4-BE49-F238E27FC236}">
+                <a16:creationId xmlns:a16="http://schemas.microsoft.com/office/drawing/2014/main" id="{E7AB5DE7-F2F2-4869-B30B-86083B38C73C}"/>
+              </a:ext>
+            </a:extLst>
+          </p:cNvPr>
+          <p:cNvSpPr txBox="1"/>
+          <p:nvPr/>
+        </p:nvSpPr>
+        <p:spPr>
+          <a:xfrm>
+            <a:off x="13681556" y="6285144"/>
+            <a:ext cx="1476686" cy="523220"/>
+          </a:xfrm>
+          <a:prstGeom prst="rect">
+            <a:avLst/>
+          </a:prstGeom>
+          <a:noFill/>
+        </p:spPr>
+        <p:txBody>
+          <a:bodyPr wrap="none" rtlCol="0">
+            <a:spAutoFit/>
+          </a:bodyPr>
+          <a:lstStyle/>
+          <a:p>
+            <a:r>
+              <a:rPr lang="ko-KR" altLang="en-US" sz="2800" b="1" dirty="0">
+                <a:solidFill>
+                  <a:schemeClr val="bg1"/>
+                </a:solidFill>
+                <a:latin typeface="HY헤드라인M" panose="02030600000101010101" pitchFamily="18" charset="-127"/>
+                <a:ea typeface="HY헤드라인M" panose="02030600000101010101" pitchFamily="18" charset="-127"/>
+              </a:rPr>
+              <a:t>김 지 호</a:t>
+            </a:r>
           </a:p>
         </p:txBody>
       </p:sp>
@@ -8819,8 +9957,8 @@
         </p:nvSpPr>
         <p:spPr>
           <a:xfrm>
-            <a:off x="-65839" y="3310581"/>
-            <a:ext cx="18199752" cy="5760150"/>
+            <a:off x="-15240" y="3624039"/>
+            <a:ext cx="18199752" cy="2862322"/>
           </a:xfrm>
           <a:prstGeom prst="rect">
             <a:avLst/>
@@ -8835,53 +9973,20 @@
           <a:p>
             <a:pPr algn="ctr"/>
             <a:r>
-              <a:rPr lang="en-US" sz="21600" kern="0" spc="-3600" dirty="0">
+              <a:rPr lang="en-US" sz="18000" kern="0" dirty="0">
                 <a:solidFill>
                   <a:srgbClr val="000000"/>
                 </a:solidFill>
-                <a:latin typeface="S-Core Dream 5 Medium" pitchFamily="34" charset="0"/>
+                <a:latin typeface="HY헤드라인M" panose="02030600000101010101" pitchFamily="18" charset="-127"/>
+                <a:ea typeface="HY헤드라인M" panose="02030600000101010101" pitchFamily="18" charset="-127"/>
                 <a:cs typeface="S-Core Dream 5 Medium" pitchFamily="34" charset="0"/>
               </a:rPr>
               <a:t>감사합니다</a:t>
             </a:r>
-            <a:endParaRPr lang="en-US" dirty="0"/>
-          </a:p>
-        </p:txBody>
-      </p:sp>
-      <p:sp>
-        <p:nvSpPr>
-          <p:cNvPr id="6" name="Object 6"/>
-          <p:cNvSpPr txBox="1"/>
-          <p:nvPr/>
-        </p:nvSpPr>
-        <p:spPr>
-          <a:xfrm>
-            <a:off x="5635652" y="9055953"/>
-            <a:ext cx="6796770" cy="586652"/>
-          </a:xfrm>
-          <a:prstGeom prst="rect">
-            <a:avLst/>
-          </a:prstGeom>
-          <a:noFill/>
-        </p:spPr>
-        <p:txBody>
-          <a:bodyPr wrap="square" rtlCol="0" anchor="t">
-            <a:spAutoFit/>
-          </a:bodyPr>
-          <a:lstStyle/>
-          <a:p>
-            <a:pPr algn="ctr"/>
-            <a:r>
-              <a:rPr lang="en-US" sz="2200" kern="0" spc="-300" dirty="0">
-                <a:solidFill>
-                  <a:srgbClr val="000000"/>
-                </a:solidFill>
-                <a:latin typeface="S-Core Dream 5 Medium" pitchFamily="34" charset="0"/>
-                <a:cs typeface="S-Core Dream 5 Medium" pitchFamily="34" charset="0"/>
-              </a:rPr>
-              <a:t>작성자 혹은 회사 이름</a:t>
-            </a:r>
-            <a:endParaRPr lang="en-US" dirty="0"/>
+            <a:endParaRPr lang="en-US" sz="18000" dirty="0">
+              <a:latin typeface="HY헤드라인M" panose="02030600000101010101" pitchFamily="18" charset="-127"/>
+              <a:ea typeface="HY헤드라인M" panose="02030600000101010101" pitchFamily="18" charset="-127"/>
+            </a:endParaRPr>
           </a:p>
         </p:txBody>
       </p:sp>
@@ -8924,6 +10029,55 @@
           </p:spPr>
         </p:pic>
       </p:grpSp>
+      <p:sp>
+        <p:nvSpPr>
+          <p:cNvPr id="2" name="TextBox 1">
+            <a:extLst>
+              <a:ext uri="{FF2B5EF4-FFF2-40B4-BE49-F238E27FC236}">
+                <a16:creationId xmlns:a16="http://schemas.microsoft.com/office/drawing/2014/main" id="{A550329F-36E0-4D18-87FF-A6DBE49C04B4}"/>
+              </a:ext>
+            </a:extLst>
+          </p:cNvPr>
+          <p:cNvSpPr txBox="1"/>
+          <p:nvPr/>
+        </p:nvSpPr>
+        <p:spPr>
+          <a:xfrm>
+            <a:off x="11734800" y="7280885"/>
+            <a:ext cx="3438762" cy="461665"/>
+          </a:xfrm>
+          <a:prstGeom prst="rect">
+            <a:avLst/>
+          </a:prstGeom>
+          <a:noFill/>
+        </p:spPr>
+        <p:txBody>
+          <a:bodyPr wrap="none" rtlCol="0">
+            <a:spAutoFit/>
+          </a:bodyPr>
+          <a:lstStyle/>
+          <a:p>
+            <a:r>
+              <a:rPr lang="ko-KR" altLang="en-US" sz="2400" b="1" dirty="0">
+                <a:latin typeface="새굴림" panose="02030600000101010101" pitchFamily="18" charset="-127"/>
+                <a:ea typeface="새굴림" panose="02030600000101010101" pitchFamily="18" charset="-127"/>
+              </a:rPr>
+              <a:t>질문은 받지 않습니다</a:t>
+            </a:r>
+            <a:r>
+              <a:rPr lang="en-US" altLang="ko-KR" sz="2400" b="1" dirty="0">
+                <a:latin typeface="새굴림" panose="02030600000101010101" pitchFamily="18" charset="-127"/>
+                <a:ea typeface="새굴림" panose="02030600000101010101" pitchFamily="18" charset="-127"/>
+              </a:rPr>
+              <a:t>~!</a:t>
+            </a:r>
+            <a:endParaRPr lang="ko-KR" altLang="en-US" sz="2400" b="1" dirty="0">
+              <a:latin typeface="새굴림" panose="02030600000101010101" pitchFamily="18" charset="-127"/>
+              <a:ea typeface="새굴림" panose="02030600000101010101" pitchFamily="18" charset="-127"/>
+            </a:endParaRPr>
+          </a:p>
+        </p:txBody>
+      </p:sp>
     </p:spTree>
   </p:cSld>
   <p:clrMapOvr>
